--- a/dokumentumok/Bemutato.pptx
+++ b/dokumentumok/Bemutato.pptx
@@ -7,11 +7,12 @@
   <p:sldIdLst>
     <p:sldId id="256" r:id="rId2"/>
     <p:sldId id="257" r:id="rId3"/>
-    <p:sldId id="263" r:id="rId4"/>
-    <p:sldId id="259" r:id="rId5"/>
-    <p:sldId id="260" r:id="rId6"/>
-    <p:sldId id="262" r:id="rId7"/>
-    <p:sldId id="261" r:id="rId8"/>
+    <p:sldId id="264" r:id="rId4"/>
+    <p:sldId id="263" r:id="rId5"/>
+    <p:sldId id="259" r:id="rId6"/>
+    <p:sldId id="260" r:id="rId7"/>
+    <p:sldId id="262" r:id="rId8"/>
+    <p:sldId id="261" r:id="rId9"/>
   </p:sldIdLst>
   <p:sldSz cx="12192000" cy="6858000"/>
   <p:notesSz cx="6858000" cy="9144000"/>
@@ -257,7 +258,7 @@
           <a:p>
             <a:fld id="{48A87A34-81AB-432B-8DAE-1953F412C126}" type="datetimeFigureOut">
               <a:rPr lang="en-US" dirty="0"/>
-              <a:t>10/5/2020</a:t>
+              <a:t>10/11/2020</a:t>
             </a:fld>
             <a:endParaRPr lang="en-US" dirty="0"/>
           </a:p>
@@ -463,7 +464,7 @@
           <a:p>
             <a:fld id="{48A87A34-81AB-432B-8DAE-1953F412C126}" type="datetimeFigureOut">
               <a:rPr lang="en-US" dirty="0"/>
-              <a:t>10/5/2020</a:t>
+              <a:t>10/11/2020</a:t>
             </a:fld>
             <a:endParaRPr lang="en-US" dirty="0"/>
           </a:p>
@@ -673,7 +674,7 @@
           <a:p>
             <a:fld id="{48A87A34-81AB-432B-8DAE-1953F412C126}" type="datetimeFigureOut">
               <a:rPr lang="en-US" dirty="0"/>
-              <a:t>10/5/2020</a:t>
+              <a:t>10/11/2020</a:t>
             </a:fld>
             <a:endParaRPr lang="en-US" dirty="0"/>
           </a:p>
@@ -869,7 +870,7 @@
           <a:p>
             <a:fld id="{48A87A34-81AB-432B-8DAE-1953F412C126}" type="datetimeFigureOut">
               <a:rPr lang="en-US" dirty="0"/>
-              <a:t>10/5/2020</a:t>
+              <a:t>10/11/2020</a:t>
             </a:fld>
             <a:endParaRPr lang="en-US" dirty="0"/>
           </a:p>
@@ -1143,7 +1144,7 @@
           <a:p>
             <a:fld id="{48A87A34-81AB-432B-8DAE-1953F412C126}" type="datetimeFigureOut">
               <a:rPr lang="en-US" dirty="0"/>
-              <a:t>10/5/2020</a:t>
+              <a:t>10/11/2020</a:t>
             </a:fld>
             <a:endParaRPr lang="en-US" dirty="0"/>
           </a:p>
@@ -1406,7 +1407,7 @@
           <a:p>
             <a:fld id="{48A87A34-81AB-432B-8DAE-1953F412C126}" type="datetimeFigureOut">
               <a:rPr lang="en-US" dirty="0"/>
-              <a:t>10/5/2020</a:t>
+              <a:t>10/11/2020</a:t>
             </a:fld>
             <a:endParaRPr lang="en-US" dirty="0"/>
           </a:p>
@@ -1817,7 +1818,7 @@
           <a:p>
             <a:fld id="{48A87A34-81AB-432B-8DAE-1953F412C126}" type="datetimeFigureOut">
               <a:rPr lang="en-US" dirty="0"/>
-              <a:t>10/5/2020</a:t>
+              <a:t>10/11/2020</a:t>
             </a:fld>
             <a:endParaRPr lang="en-US" dirty="0"/>
           </a:p>
@@ -1961,7 +1962,7 @@
           <a:p>
             <a:fld id="{48A87A34-81AB-432B-8DAE-1953F412C126}" type="datetimeFigureOut">
               <a:rPr lang="en-US" dirty="0"/>
-              <a:t>10/5/2020</a:t>
+              <a:t>10/11/2020</a:t>
             </a:fld>
             <a:endParaRPr lang="en-US" dirty="0"/>
           </a:p>
@@ -2082,7 +2083,7 @@
           <a:p>
             <a:fld id="{48A87A34-81AB-432B-8DAE-1953F412C126}" type="datetimeFigureOut">
               <a:rPr lang="en-US" dirty="0"/>
-              <a:t>10/5/2020</a:t>
+              <a:t>10/11/2020</a:t>
             </a:fld>
             <a:endParaRPr lang="en-US" dirty="0"/>
           </a:p>
@@ -2328,7 +2329,7 @@
           <a:p>
             <a:fld id="{48A87A34-81AB-432B-8DAE-1953F412C126}" type="datetimeFigureOut">
               <a:rPr lang="en-US" dirty="0"/>
-              <a:t>10/5/2020</a:t>
+              <a:t>10/11/2020</a:t>
             </a:fld>
             <a:endParaRPr lang="en-US" dirty="0"/>
           </a:p>
@@ -2769,7 +2770,7 @@
             <a:fld id="{48A87A34-81AB-432B-8DAE-1953F412C126}" type="datetimeFigureOut">
               <a:rPr lang="en-US" dirty="0"/>
               <a:pPr/>
-              <a:t>10/5/2020</a:t>
+              <a:t>10/11/2020</a:t>
             </a:fld>
             <a:endParaRPr lang="en-US" dirty="0"/>
           </a:p>
@@ -3092,7 +3093,7 @@
             <a:fld id="{48A87A34-81AB-432B-8DAE-1953F412C126}" type="datetimeFigureOut">
               <a:rPr lang="en-US" dirty="0"/>
               <a:pPr/>
-              <a:t>10/5/2020</a:t>
+              <a:t>10/11/2020</a:t>
             </a:fld>
             <a:endParaRPr lang="en-US" dirty="0"/>
           </a:p>
@@ -4029,7 +4030,7 @@
               </a:lnSpc>
             </a:pPr>
             <a:r>
-              <a:rPr lang="hu-HU" sz="1600"/>
+              <a:rPr lang="hu-HU" sz="1600" dirty="0"/>
               <a:t>Projektünkben egy ingatlan hirdető oldalt fogunk megvalósítani, amelyet egy 8 fős fejlesztő brigád fog kivitelezni. </a:t>
             </a:r>
           </a:p>
@@ -4040,32 +4041,32 @@
               </a:lnSpc>
             </a:pPr>
             <a:r>
-              <a:rPr lang="hu-HU" sz="1600"/>
-              <a:t>Programozási nyelv JAVA Spring Boot lesz a </a:t>
-            </a:r>
-            <a:r>
-              <a:rPr lang="hu-HU" sz="1600" err="1"/>
+              <a:rPr lang="hu-HU" sz="1600" dirty="0"/>
+              <a:t>Programozási keretrendszer Spring Boot lesz a </a:t>
+            </a:r>
+            <a:r>
+              <a:rPr lang="hu-HU" sz="1600" dirty="0" err="1"/>
               <a:t>FrontEnd</a:t>
             </a:r>
             <a:r>
-              <a:rPr lang="hu-HU" sz="1600"/>
+              <a:rPr lang="hu-HU" sz="1600" dirty="0"/>
               <a:t> pedig </a:t>
             </a:r>
             <a:r>
-              <a:rPr lang="hu-HU" sz="1600" b="0" i="0" err="1">
+              <a:rPr lang="hu-HU" sz="1600" b="0" i="0" dirty="0" err="1">
                 <a:effectLst/>
                 <a:latin typeface="arial" panose="020B0604020202020204" pitchFamily="34" charset="0"/>
               </a:rPr>
               <a:t>Thymeleaf</a:t>
             </a:r>
             <a:r>
-              <a:rPr lang="hu-HU" sz="1600" b="0" i="0">
+              <a:rPr lang="hu-HU" sz="1600" b="0" i="0" dirty="0">
                 <a:effectLst/>
                 <a:latin typeface="arial" panose="020B0604020202020204" pitchFamily="34" charset="0"/>
               </a:rPr>
               <a:t>-ben lesz fejlesztve.</a:t>
             </a:r>
-            <a:endParaRPr lang="hu-HU" sz="1600"/>
+            <a:endParaRPr lang="hu-HU" sz="1600" dirty="0"/>
           </a:p>
           <a:p>
             <a:pPr>
@@ -4074,7 +4075,7 @@
               </a:lnSpc>
             </a:pPr>
             <a:r>
-              <a:rPr lang="hu-HU" sz="1600"/>
+              <a:rPr lang="hu-HU" sz="1600" dirty="0"/>
               <a:t>A weboldal minden hirdetési igényt kifog elégíteni, mint például jó felbontású képek feltöltésének a lehetősége, megfelelő szűrési lehetőségek beállítása, regisztrált felhasználók saját jogosultságokkal bírnak.</a:t>
             </a:r>
           </a:p>
@@ -4085,7 +4086,7 @@
               </a:lnSpc>
             </a:pPr>
             <a:r>
-              <a:rPr lang="hu-HU" sz="1600"/>
+              <a:rPr lang="hu-HU" sz="1600" dirty="0"/>
               <a:t>A hirdetések megfelelően lesznek szűrve, minden hirdetés jóváhagyással kerül ki.</a:t>
             </a:r>
           </a:p>
@@ -4243,12 +4244,12 @@
           <a:chExt cx="0" cy="0"/>
         </a:xfrm>
       </p:grpSpPr>
-      <p:sp>
-        <p:nvSpPr>
-          <p:cNvPr id="19" name="Rectangle 9">
+      <p:sp useBgFill="1">
+        <p:nvSpPr>
+          <p:cNvPr id="34" name="Rectangle 33">
             <a:extLst>
               <a:ext uri="{FF2B5EF4-FFF2-40B4-BE49-F238E27FC236}">
-                <a16:creationId xmlns:a16="http://schemas.microsoft.com/office/drawing/2014/main" id="{CDDE5CDF-1512-4CDA-B956-23D223F8DE44}"/>
+                <a16:creationId xmlns:a16="http://schemas.microsoft.com/office/drawing/2014/main" id="{C630F413-44CE-4746-9821-9E0107978E7A}"/>
               </a:ext>
               <a:ext uri="{C183D7F6-B498-43B3-948B-1728B52AA6E4}">
                 <adec:decorative xmlns:adec="http://schemas.microsoft.com/office/drawing/2017/decorative" val="1"/>
@@ -4268,8 +4269,68 @@
         </p:nvSpPr>
         <p:spPr>
           <a:xfrm>
+            <a:off x="2" y="0"/>
+            <a:ext cx="12191695" cy="6858000"/>
+          </a:xfrm>
+          <a:prstGeom prst="rect">
+            <a:avLst/>
+          </a:prstGeom>
+          <a:ln>
+            <a:noFill/>
+          </a:ln>
+        </p:spPr>
+        <p:style>
+          <a:lnRef idx="2">
+            <a:schemeClr val="accent1">
+              <a:shade val="50000"/>
+            </a:schemeClr>
+          </a:lnRef>
+          <a:fillRef idx="1">
+            <a:schemeClr val="accent1"/>
+          </a:fillRef>
+          <a:effectRef idx="0">
+            <a:schemeClr val="accent1"/>
+          </a:effectRef>
+          <a:fontRef idx="minor">
+            <a:schemeClr val="lt1"/>
+          </a:fontRef>
+        </p:style>
+        <p:txBody>
+          <a:bodyPr rtlCol="0" anchor="ctr"/>
+          <a:lstStyle/>
+          <a:p>
+            <a:pPr algn="ctr"/>
+            <a:endParaRPr lang="en-US"/>
+          </a:p>
+        </p:txBody>
+      </p:sp>
+      <p:sp>
+        <p:nvSpPr>
+          <p:cNvPr id="36" name="Rectangle 35">
+            <a:extLst>
+              <a:ext uri="{FF2B5EF4-FFF2-40B4-BE49-F238E27FC236}">
+                <a16:creationId xmlns:a16="http://schemas.microsoft.com/office/drawing/2014/main" id="{22D671B1-B099-4F9C-B9CC-9D22B4DAF8A8}"/>
+              </a:ext>
+              <a:ext uri="{C183D7F6-B498-43B3-948B-1728B52AA6E4}">
+                <adec:decorative xmlns:adec="http://schemas.microsoft.com/office/drawing/2017/decorative" val="1"/>
+              </a:ext>
+            </a:extLst>
+          </p:cNvPr>
+          <p:cNvSpPr>
+            <a:spLocks noGrp="1" noRot="1" noChangeAspect="1" noMove="1" noResize="1" noEditPoints="1" noAdjustHandles="1" noChangeArrowheads="1" noChangeShapeType="1" noTextEdit="1"/>
+          </p:cNvSpPr>
+          <p:nvPr>
+            <p:extLst>
+              <p:ext uri="{386F3935-93C4-4BCD-93E2-E3B085C9AB24}">
+                <p16:designElem xmlns:p16="http://schemas.microsoft.com/office/powerpoint/2015/main" val="1"/>
+              </p:ext>
+            </p:extLst>
+          </p:nvPr>
+        </p:nvSpPr>
+        <p:spPr>
+          <a:xfrm>
             <a:off x="0" y="2019476"/>
-            <a:ext cx="12192000" cy="4105941"/>
+            <a:ext cx="12192000" cy="4838524"/>
           </a:xfrm>
           <a:prstGeom prst="rect">
             <a:avLst/>
@@ -4308,57 +4369,21 @@
             <a:schemeClr val="lt1"/>
           </a:fontRef>
         </p:style>
-      </p:sp>
-      <p:pic>
-        <p:nvPicPr>
-          <p:cNvPr id="20" name="Picture 11">
+        <p:txBody>
+          <a:bodyPr rtlCol="0" anchor="ctr"/>
+          <a:lstStyle/>
+          <a:p>
+            <a:pPr lvl="0" algn="ctr"/>
+            <a:endParaRPr lang="en-US"/>
+          </a:p>
+        </p:txBody>
+      </p:sp>
+      <p:cxnSp>
+        <p:nvCxnSpPr>
+          <p:cNvPr id="38" name="Straight Connector 37">
             <a:extLst>
               <a:ext uri="{FF2B5EF4-FFF2-40B4-BE49-F238E27FC236}">
-                <a16:creationId xmlns:a16="http://schemas.microsoft.com/office/drawing/2014/main" id="{B029D7D8-5A6B-4C76-94C8-15798C6C5ADB}"/>
-              </a:ext>
-              <a:ext uri="{C183D7F6-B498-43B3-948B-1728B52AA6E4}">
-                <adec:decorative xmlns:adec="http://schemas.microsoft.com/office/drawing/2017/decorative" val="1"/>
-              </a:ext>
-            </a:extLst>
-          </p:cNvPr>
-          <p:cNvPicPr>
-            <a:picLocks noGrp="1" noRot="1" noChangeAspect="1" noMove="1" noResize="1" noEditPoints="1" noAdjustHandles="1" noChangeArrowheads="1" noChangeShapeType="1" noCrop="1"/>
-          </p:cNvPicPr>
-          <p:nvPr>
-            <p:extLst>
-              <p:ext uri="{386F3935-93C4-4BCD-93E2-E3B085C9AB24}">
-                <p16:designElem xmlns:p16="http://schemas.microsoft.com/office/powerpoint/2015/main" val="1"/>
-              </p:ext>
-            </p:extLst>
-          </p:nvPr>
-        </p:nvPicPr>
-        <p:blipFill rotWithShape="1">
-          <a:blip r:embed="rId2">
-            <a:extLst>
-              <a:ext uri="{28A0092B-C50C-407E-A947-70E740481C1C}">
-                <a14:useLocalDpi xmlns:a14="http://schemas.microsoft.com/office/drawing/2010/main" val="0"/>
-              </a:ext>
-            </a:extLst>
-          </a:blip>
-          <a:srcRect t="1538" b="-1538"/>
-          <a:stretch/>
-        </p:blipFill>
-        <p:spPr bwMode="black">
-          <a:xfrm>
-            <a:off x="0" y="6126480"/>
-            <a:ext cx="12192000" cy="742950"/>
-          </a:xfrm>
-          <a:prstGeom prst="rect">
-            <a:avLst/>
-          </a:prstGeom>
-        </p:spPr>
-      </p:pic>
-      <p:cxnSp>
-        <p:nvCxnSpPr>
-          <p:cNvPr id="21" name="Straight Connector 13">
-            <a:extLst>
-              <a:ext uri="{FF2B5EF4-FFF2-40B4-BE49-F238E27FC236}">
-                <a16:creationId xmlns:a16="http://schemas.microsoft.com/office/drawing/2014/main" id="{A5C9319C-E20D-4884-952F-60B6A58C3E34}"/>
+                <a16:creationId xmlns:a16="http://schemas.microsoft.com/office/drawing/2014/main" id="{7552FBEF-FA69-427B-8245-0A518E0513D5}"/>
               </a:ext>
               <a:ext uri="{C183D7F6-B498-43B3-948B-1728B52AA6E4}">
                 <adec:decorative xmlns:adec="http://schemas.microsoft.com/office/drawing/2017/decorative" val="1"/>
@@ -4378,28 +4403,22 @@
         </p:nvCxnSpPr>
         <p:spPr>
           <a:xfrm>
-            <a:off x="0" y="6128413"/>
-            <a:ext cx="12192000" cy="0"/>
+            <a:off x="7555992" y="2146542"/>
+            <a:ext cx="3157578" cy="0"/>
           </a:xfrm>
           <a:prstGeom prst="line">
             <a:avLst/>
           </a:prstGeom>
-          <a:ln w="12700">
-            <a:solidFill>
-              <a:srgbClr val="000001">
-                <a:alpha val="20000"/>
-              </a:srgbClr>
-            </a:solidFill>
-          </a:ln>
+          <a:ln w="31750"/>
         </p:spPr>
         <p:style>
-          <a:lnRef idx="1">
+          <a:lnRef idx="3">
             <a:schemeClr val="accent1"/>
           </a:lnRef>
           <a:fillRef idx="0">
             <a:schemeClr val="accent1"/>
           </a:fillRef>
-          <a:effectRef idx="0">
+          <a:effectRef idx="2">
             <a:schemeClr val="accent1"/>
           </a:effectRef>
           <a:fontRef idx="minor">
@@ -4407,19 +4426,19 @@
           </a:fontRef>
         </p:style>
       </p:cxnSp>
-      <p:sp useBgFill="1">
-        <p:nvSpPr>
-          <p:cNvPr id="22" name="Rectangle 15">
+      <p:sp>
+        <p:nvSpPr>
+          <p:cNvPr id="40" name="Title 1">
             <a:extLst>
               <a:ext uri="{FF2B5EF4-FFF2-40B4-BE49-F238E27FC236}">
-                <a16:creationId xmlns:a16="http://schemas.microsoft.com/office/drawing/2014/main" id="{F1176DA6-4BBF-42A4-9C94-E6613CCD6B37}"/>
+                <a16:creationId xmlns:a16="http://schemas.microsoft.com/office/drawing/2014/main" id="{898488B7-DBD3-40E7-B54B-4DA6C5693EF3}"/>
               </a:ext>
               <a:ext uri="{C183D7F6-B498-43B3-948B-1728B52AA6E4}">
                 <adec:decorative xmlns:adec="http://schemas.microsoft.com/office/drawing/2017/decorative" val="1"/>
               </a:ext>
             </a:extLst>
           </p:cNvPr>
-          <p:cNvSpPr>
+          <p:cNvSpPr txBox="1">
             <a:spLocks noGrp="1" noRot="1" noChangeAspect="1" noMove="1" noResize="1" noEditPoints="1" noAdjustHandles="1" noChangeArrowheads="1" noChangeShapeType="1" noTextEdit="1"/>
           </p:cNvSpPr>
           <p:nvPr>
@@ -4432,186 +4451,120 @@
         </p:nvSpPr>
         <p:spPr>
           <a:xfrm>
-            <a:off x="0" y="0"/>
-            <a:ext cx="12192000" cy="6858000"/>
+            <a:off x="1451580" y="3122496"/>
+            <a:ext cx="3530157" cy="1049235"/>
           </a:xfrm>
           <a:prstGeom prst="rect">
             <a:avLst/>
           </a:prstGeom>
-          <a:ln>
-            <a:noFill/>
-          </a:ln>
-        </p:spPr>
-        <p:style>
-          <a:lnRef idx="2">
-            <a:schemeClr val="accent1">
-              <a:shade val="50000"/>
-            </a:schemeClr>
-          </a:lnRef>
-          <a:fillRef idx="1">
-            <a:schemeClr val="accent1"/>
-          </a:fillRef>
-          <a:effectRef idx="0">
-            <a:schemeClr val="accent1"/>
-          </a:effectRef>
-          <a:fontRef idx="minor">
-            <a:schemeClr val="lt1"/>
-          </a:fontRef>
-        </p:style>
-        <p:txBody>
-          <a:bodyPr rtlCol="0" anchor="ctr"/>
-          <a:lstStyle/>
-          <a:p>
-            <a:pPr algn="ctr"/>
-            <a:endParaRPr lang="en-US"/>
-          </a:p>
-        </p:txBody>
-      </p:sp>
-      <p:sp>
-        <p:nvSpPr>
-          <p:cNvPr id="18" name="Rectangle 17">
+        </p:spPr>
+        <p:txBody>
+          <a:bodyPr vert="horz" lIns="91440" tIns="45720" rIns="91440" bIns="45720" rtlCol="0" anchor="t">
+            <a:normAutofit/>
+          </a:bodyPr>
+          <a:lstStyle>
+            <a:lvl1pPr algn="l" defTabSz="914400" rtl="0" eaLnBrk="1" latinLnBrk="0" hangingPunct="1">
+              <a:lnSpc>
+                <a:spcPct val="90000"/>
+              </a:lnSpc>
+              <a:spcBef>
+                <a:spcPct val="0"/>
+              </a:spcBef>
+              <a:buNone/>
+              <a:defRPr sz="3200" b="0" i="0" kern="1200" cap="all">
+                <a:solidFill>
+                  <a:schemeClr val="tx1"/>
+                </a:solidFill>
+                <a:effectLst/>
+                <a:latin typeface="+mj-lt"/>
+                <a:ea typeface="+mj-ea"/>
+                <a:cs typeface="+mj-cs"/>
+              </a:defRPr>
+            </a:lvl1pPr>
+          </a:lstStyle>
+          <a:p>
+            <a:endParaRPr lang="en-US" dirty="0"/>
+          </a:p>
+        </p:txBody>
+      </p:sp>
+      <p:sp>
+        <p:nvSpPr>
+          <p:cNvPr id="31" name="Content Placeholder 30">
             <a:extLst>
               <a:ext uri="{FF2B5EF4-FFF2-40B4-BE49-F238E27FC236}">
-                <a16:creationId xmlns:a16="http://schemas.microsoft.com/office/drawing/2014/main" id="{99AAB0AE-172B-4FB4-80C2-86CD6B824220}"/>
-              </a:ext>
-              <a:ext uri="{C183D7F6-B498-43B3-948B-1728B52AA6E4}">
-                <adec:decorative xmlns:adec="http://schemas.microsoft.com/office/drawing/2017/decorative" val="1"/>
+                <a16:creationId xmlns:a16="http://schemas.microsoft.com/office/drawing/2014/main" id="{47E8AC8F-E00D-4F0C-A21A-C6293685DFC8}"/>
               </a:ext>
             </a:extLst>
           </p:cNvPr>
           <p:cNvSpPr>
-            <a:spLocks noGrp="1" noRot="1" noChangeAspect="1" noMove="1" noResize="1" noEditPoints="1" noAdjustHandles="1" noChangeArrowheads="1" noChangeShapeType="1" noTextEdit="1"/>
-          </p:cNvSpPr>
-          <p:nvPr>
-            <p:extLst>
-              <p:ext uri="{386F3935-93C4-4BCD-93E2-E3B085C9AB24}">
-                <p16:designElem xmlns:p16="http://schemas.microsoft.com/office/powerpoint/2015/main" val="1"/>
-              </p:ext>
-            </p:extLst>
+            <a:spLocks noGrp="1"/>
+          </p:cNvSpPr>
+          <p:nvPr>
+            <p:ph idx="1"/>
           </p:nvPr>
         </p:nvSpPr>
         <p:spPr>
           <a:xfrm>
-            <a:off x="477012" y="480060"/>
-            <a:ext cx="11237976" cy="5897880"/>
-          </a:xfrm>
-          <a:prstGeom prst="rect">
-            <a:avLst/>
-          </a:prstGeom>
-          <a:solidFill>
-            <a:schemeClr val="bg1"/>
-          </a:solidFill>
-          <a:ln w="22225">
-            <a:solidFill>
-              <a:srgbClr val="E9A250"/>
-            </a:solidFill>
-          </a:ln>
-        </p:spPr>
-        <p:style>
-          <a:lnRef idx="2">
-            <a:schemeClr val="accent1">
-              <a:shade val="50000"/>
-            </a:schemeClr>
-          </a:lnRef>
-          <a:fillRef idx="1">
-            <a:schemeClr val="accent1"/>
-          </a:fillRef>
-          <a:effectRef idx="0">
-            <a:schemeClr val="accent1"/>
-          </a:effectRef>
-          <a:fontRef idx="minor">
-            <a:schemeClr val="lt1"/>
-          </a:fontRef>
-        </p:style>
-        <p:txBody>
-          <a:bodyPr rtlCol="0" anchor="ctr"/>
-          <a:lstStyle/>
-          <a:p>
-            <a:pPr algn="ctr"/>
-            <a:endParaRPr lang="en-US"/>
+            <a:off x="7554138" y="2273609"/>
+            <a:ext cx="3159432" cy="3940925"/>
+          </a:xfrm>
+        </p:spPr>
+        <p:txBody>
+          <a:bodyPr>
+            <a:normAutofit/>
+          </a:bodyPr>
+          <a:lstStyle/>
+          <a:p>
+            <a:r>
+              <a:rPr lang="hu-HU" dirty="0"/>
+              <a:t>Nagyjából így képzeltük el, de természetesen ez változhat.</a:t>
+            </a:r>
+          </a:p>
+          <a:p>
+            <a:r>
+              <a:rPr lang="hu-HU" dirty="0"/>
+              <a:t>Forrás: www.ingatlan.com</a:t>
+            </a:r>
+          </a:p>
+          <a:p>
+            <a:endParaRPr lang="en-US" dirty="0"/>
           </a:p>
         </p:txBody>
       </p:sp>
       <p:pic>
         <p:nvPicPr>
-          <p:cNvPr id="5" name="Tartalom helye 4">
+          <p:cNvPr id="9" name="Kép 8">
             <a:extLst>
               <a:ext uri="{FF2B5EF4-FFF2-40B4-BE49-F238E27FC236}">
-                <a16:creationId xmlns:a16="http://schemas.microsoft.com/office/drawing/2014/main" id="{0EBB2F26-53FF-4AA1-9C1D-61DF0152F024}"/>
+                <a16:creationId xmlns:a16="http://schemas.microsoft.com/office/drawing/2014/main" id="{9F899949-7C76-4487-A4C8-E94BCF74CF86}"/>
               </a:ext>
             </a:extLst>
           </p:cNvPr>
           <p:cNvPicPr>
-            <a:picLocks noGrp="1" noChangeAspect="1"/>
+            <a:picLocks noChangeAspect="1"/>
           </p:cNvPicPr>
-          <p:nvPr>
-            <p:ph idx="1"/>
-          </p:nvPr>
+          <p:nvPr/>
         </p:nvPicPr>
         <p:blipFill>
-          <a:blip r:embed="rId3"/>
+          <a:blip r:embed="rId2"/>
           <a:stretch>
             <a:fillRect/>
           </a:stretch>
         </p:blipFill>
         <p:spPr>
           <a:xfrm>
-            <a:off x="643467" y="1370669"/>
-            <a:ext cx="10905066" cy="4116662"/>
+            <a:off x="678041" y="40511"/>
+            <a:ext cx="6196205" cy="6776977"/>
           </a:xfrm>
           <a:prstGeom prst="rect">
             <a:avLst/>
           </a:prstGeom>
         </p:spPr>
       </p:pic>
-      <p:sp>
-        <p:nvSpPr>
-          <p:cNvPr id="6" name="Szövegdoboz 5">
-            <a:extLst>
-              <a:ext uri="{FF2B5EF4-FFF2-40B4-BE49-F238E27FC236}">
-                <a16:creationId xmlns:a16="http://schemas.microsoft.com/office/drawing/2014/main" id="{41574C8F-FE1B-41CA-865B-6CC1001AD353}"/>
-              </a:ext>
-            </a:extLst>
-          </p:cNvPr>
-          <p:cNvSpPr txBox="1"/>
-          <p:nvPr/>
-        </p:nvSpPr>
-        <p:spPr>
-          <a:xfrm>
-            <a:off x="4400550" y="536368"/>
-            <a:ext cx="5924550" cy="584775"/>
-          </a:xfrm>
-          <a:prstGeom prst="rect">
-            <a:avLst/>
-          </a:prstGeom>
-          <a:noFill/>
-        </p:spPr>
-        <p:txBody>
-          <a:bodyPr wrap="square" rtlCol="0">
-            <a:spAutoFit/>
-          </a:bodyPr>
-          <a:lstStyle/>
-          <a:p>
-            <a:r>
-              <a:rPr lang="hu-HU" sz="3200" b="1" dirty="0" err="1"/>
-              <a:t>Gantt</a:t>
-            </a:r>
-            <a:r>
-              <a:rPr lang="hu-HU" sz="1600" b="1" dirty="0"/>
-              <a:t> </a:t>
-            </a:r>
-            <a:r>
-              <a:rPr lang="hu-HU" sz="3200" b="1" dirty="0"/>
-              <a:t>Diagramm</a:t>
-            </a:r>
-            <a:endParaRPr lang="hu-HU" sz="1600" b="1" dirty="0"/>
-          </a:p>
-        </p:txBody>
-      </p:sp>
     </p:spTree>
     <p:extLst>
       <p:ext uri="{BB962C8B-B14F-4D97-AF65-F5344CB8AC3E}">
-        <p14:creationId xmlns:p14="http://schemas.microsoft.com/office/powerpoint/2010/main" val="1735718423"/>
+        <p14:creationId xmlns:p14="http://schemas.microsoft.com/office/powerpoint/2010/main" val="2063293668"/>
       </p:ext>
     </p:extLst>
   </p:cSld>
@@ -4643,7 +4596,7 @@
           <p:cNvPr id="2" name="Cím 1">
             <a:extLst>
               <a:ext uri="{FF2B5EF4-FFF2-40B4-BE49-F238E27FC236}">
-                <a16:creationId xmlns:a16="http://schemas.microsoft.com/office/drawing/2014/main" id="{AA7FA080-29A0-47C9-B02F-B1DCD34314A2}"/>
+                <a16:creationId xmlns:a16="http://schemas.microsoft.com/office/drawing/2014/main" id="{4730D0E2-D863-46AF-9AC1-1FF332129156}"/>
               </a:ext>
             </a:extLst>
           </p:cNvPr>
@@ -4660,10 +4613,9 @@
           <a:lstStyle/>
           <a:p>
             <a:r>
-              <a:rPr lang="hu-HU" dirty="0" err="1"/>
-              <a:t>ProjektMenedzser</a:t>
-            </a:r>
-            <a:endParaRPr lang="hu-HU" dirty="0"/>
+              <a:rPr lang="hu-HU" dirty="0"/>
+              <a:t>Prototípus, elképzelés</a:t>
+            </a:r>
           </a:p>
         </p:txBody>
       </p:sp>
@@ -4672,7 +4624,7 @@
           <p:cNvPr id="3" name="Tartalom helye 2">
             <a:extLst>
               <a:ext uri="{FF2B5EF4-FFF2-40B4-BE49-F238E27FC236}">
-                <a16:creationId xmlns:a16="http://schemas.microsoft.com/office/drawing/2014/main" id="{5616B936-33E0-4138-8784-61C1BC43DF86}"/>
+                <a16:creationId xmlns:a16="http://schemas.microsoft.com/office/drawing/2014/main" id="{88E9DD81-B406-40DA-B140-682D9DAEAC42}"/>
               </a:ext>
             </a:extLst>
           </p:cNvPr>
@@ -4690,27 +4642,7 @@
           <a:p>
             <a:r>
               <a:rPr lang="hu-HU" dirty="0"/>
-              <a:t>A projekt projektmenedzsere és backend fejlesztőnk Veres-Lakos Zsombor.</a:t>
-            </a:r>
-          </a:p>
-          <a:p>
-            <a:r>
-              <a:rPr lang="hu-HU" dirty="0"/>
-              <a:t>Zsombor korábban már egy évet dolgozott </a:t>
-            </a:r>
-            <a:r>
-              <a:rPr lang="hu-HU" dirty="0" err="1"/>
-              <a:t>Aensys</a:t>
-            </a:r>
-            <a:r>
-              <a:rPr lang="hu-HU" dirty="0"/>
-              <a:t> KFT-nél. </a:t>
-            </a:r>
-          </a:p>
-          <a:p>
-            <a:r>
-              <a:rPr lang="hu-HU" dirty="0"/>
-              <a:t>Volt már része JAVA projektekben, hobbija is ehhez köthető.</a:t>
+              <a:t>Elkezdtük megismerni a keretrendszert, erre létrehoztunk egy alap funkciókkal bíró kis szervert.</a:t>
             </a:r>
           </a:p>
         </p:txBody>
@@ -4718,7 +4650,7 @@
     </p:spTree>
     <p:extLst>
       <p:ext uri="{BB962C8B-B14F-4D97-AF65-F5344CB8AC3E}">
-        <p14:creationId xmlns:p14="http://schemas.microsoft.com/office/powerpoint/2010/main" val="2045123648"/>
+        <p14:creationId xmlns:p14="http://schemas.microsoft.com/office/powerpoint/2010/main" val="1155922840"/>
       </p:ext>
     </p:extLst>
   </p:cSld>
@@ -4750,7 +4682,7 @@
           <p:cNvPr id="2" name="Cím 1">
             <a:extLst>
               <a:ext uri="{FF2B5EF4-FFF2-40B4-BE49-F238E27FC236}">
-                <a16:creationId xmlns:a16="http://schemas.microsoft.com/office/drawing/2014/main" id="{EAAB799F-D33E-4C2F-B3FC-749E15F0DFE2}"/>
+                <a16:creationId xmlns:a16="http://schemas.microsoft.com/office/drawing/2014/main" id="{AA7FA080-29A0-47C9-B02F-B1DCD34314A2}"/>
               </a:ext>
             </a:extLst>
           </p:cNvPr>
@@ -4767,9 +4699,10 @@
           <a:lstStyle/>
           <a:p>
             <a:r>
-              <a:rPr lang="hu-HU" dirty="0"/>
-              <a:t>További fejlesztők</a:t>
-            </a:r>
+              <a:rPr lang="hu-HU" dirty="0" err="1"/>
+              <a:t>ProjektMenedzser</a:t>
+            </a:r>
+            <a:endParaRPr lang="hu-HU" dirty="0"/>
           </a:p>
         </p:txBody>
       </p:sp>
@@ -4778,7 +4711,7 @@
           <p:cNvPr id="3" name="Tartalom helye 2">
             <a:extLst>
               <a:ext uri="{FF2B5EF4-FFF2-40B4-BE49-F238E27FC236}">
-                <a16:creationId xmlns:a16="http://schemas.microsoft.com/office/drawing/2014/main" id="{04789CB8-28BB-43E4-B667-1ACA75553B8C}"/>
+                <a16:creationId xmlns:a16="http://schemas.microsoft.com/office/drawing/2014/main" id="{5616B936-33E0-4138-8784-61C1BC43DF86}"/>
               </a:ext>
             </a:extLst>
           </p:cNvPr>
@@ -4796,77 +4729,27 @@
           <a:p>
             <a:r>
               <a:rPr lang="hu-HU" dirty="0"/>
-              <a:t>Megjelenésért legfőképp felelősek:  </a:t>
+              <a:t>A projekt projektmenedzsere és backend fejlesztőnk Veres-Lakos Zsombor.</a:t>
+            </a:r>
+          </a:p>
+          <a:p>
+            <a:r>
+              <a:rPr lang="hu-HU" dirty="0"/>
+              <a:t>Zsombor korábban már egy évet dolgozott </a:t>
             </a:r>
             <a:r>
               <a:rPr lang="hu-HU" dirty="0" err="1"/>
-              <a:t>Hamad</a:t>
+              <a:t>Aensys</a:t>
             </a:r>
             <a:r>
               <a:rPr lang="hu-HU" dirty="0"/>
-              <a:t> </a:t>
-            </a:r>
-            <a:r>
-              <a:rPr lang="hu-HU" dirty="0" err="1"/>
-              <a:t>Aszim</a:t>
-            </a:r>
+              <a:t> KFT-nél. </a:t>
+            </a:r>
+          </a:p>
+          <a:p>
             <a:r>
               <a:rPr lang="hu-HU" dirty="0"/>
-              <a:t> és Farkas Valentin</a:t>
-            </a:r>
-          </a:p>
-          <a:p>
-            <a:r>
-              <a:rPr lang="hu-HU" dirty="0"/>
-              <a:t>Backendért felelős: </a:t>
-            </a:r>
-            <a:r>
-              <a:rPr lang="hu-HU" dirty="0" err="1"/>
-              <a:t>Böröc</a:t>
-            </a:r>
-            <a:r>
-              <a:rPr lang="hu-HU" dirty="0"/>
-              <a:t> Tamás, Veres-Lakos Zsombor és Mészáros Zsolt.</a:t>
-            </a:r>
-          </a:p>
-          <a:p>
-            <a:r>
-              <a:rPr lang="hu-HU" dirty="0"/>
-              <a:t>Szoftver tesztelésért </a:t>
-            </a:r>
-            <a:r>
-              <a:rPr lang="hu-HU" dirty="0" err="1"/>
-              <a:t>Szvoreny</a:t>
-            </a:r>
-            <a:r>
-              <a:rPr lang="hu-HU" dirty="0"/>
-              <a:t> Viktor felelős.</a:t>
-            </a:r>
-          </a:p>
-          <a:p>
-            <a:r>
-              <a:rPr lang="hu-HU" dirty="0"/>
-              <a:t>Dokumentációkért és prezentációkért Mészáros Zsolt felel.</a:t>
-            </a:r>
-          </a:p>
-          <a:p>
-            <a:r>
-              <a:rPr lang="hu-HU" dirty="0"/>
-              <a:t>Adatbázist és adatkapcsolatokat Kovács Tamás fogja megvalósítani.</a:t>
-            </a:r>
-          </a:p>
-          <a:p>
-            <a:r>
-              <a:rPr lang="hu-HU" dirty="0"/>
-              <a:t>A további szükséges feladatokat </a:t>
-            </a:r>
-            <a:r>
-              <a:rPr lang="hu-HU" dirty="0" err="1"/>
-              <a:t>Pejnovac</a:t>
-            </a:r>
-            <a:r>
-              <a:rPr lang="hu-HU" dirty="0"/>
-              <a:t> Máté végzi.</a:t>
+              <a:t>Volt már része JAVA projektekben, hobbija is ehhez köthető.</a:t>
             </a:r>
           </a:p>
         </p:txBody>
@@ -4874,7 +4757,7 @@
     </p:spTree>
     <p:extLst>
       <p:ext uri="{BB962C8B-B14F-4D97-AF65-F5344CB8AC3E}">
-        <p14:creationId xmlns:p14="http://schemas.microsoft.com/office/powerpoint/2010/main" val="3223636402"/>
+        <p14:creationId xmlns:p14="http://schemas.microsoft.com/office/powerpoint/2010/main" val="2045123648"/>
       </p:ext>
     </p:extLst>
   </p:cSld>
@@ -4906,6 +4789,162 @@
           <p:cNvPr id="2" name="Cím 1">
             <a:extLst>
               <a:ext uri="{FF2B5EF4-FFF2-40B4-BE49-F238E27FC236}">
+                <a16:creationId xmlns:a16="http://schemas.microsoft.com/office/drawing/2014/main" id="{EAAB799F-D33E-4C2F-B3FC-749E15F0DFE2}"/>
+              </a:ext>
+            </a:extLst>
+          </p:cNvPr>
+          <p:cNvSpPr>
+            <a:spLocks noGrp="1"/>
+          </p:cNvSpPr>
+          <p:nvPr>
+            <p:ph type="title"/>
+          </p:nvPr>
+        </p:nvSpPr>
+        <p:spPr/>
+        <p:txBody>
+          <a:bodyPr/>
+          <a:lstStyle/>
+          <a:p>
+            <a:r>
+              <a:rPr lang="hu-HU" dirty="0"/>
+              <a:t>További fejlesztők</a:t>
+            </a:r>
+          </a:p>
+        </p:txBody>
+      </p:sp>
+      <p:sp>
+        <p:nvSpPr>
+          <p:cNvPr id="3" name="Tartalom helye 2">
+            <a:extLst>
+              <a:ext uri="{FF2B5EF4-FFF2-40B4-BE49-F238E27FC236}">
+                <a16:creationId xmlns:a16="http://schemas.microsoft.com/office/drawing/2014/main" id="{04789CB8-28BB-43E4-B667-1ACA75553B8C}"/>
+              </a:ext>
+            </a:extLst>
+          </p:cNvPr>
+          <p:cNvSpPr>
+            <a:spLocks noGrp="1"/>
+          </p:cNvSpPr>
+          <p:nvPr>
+            <p:ph idx="1"/>
+          </p:nvPr>
+        </p:nvSpPr>
+        <p:spPr/>
+        <p:txBody>
+          <a:bodyPr/>
+          <a:lstStyle/>
+          <a:p>
+            <a:r>
+              <a:rPr lang="hu-HU" dirty="0"/>
+              <a:t>Megjelenésért legfőképp felelősek:  </a:t>
+            </a:r>
+            <a:r>
+              <a:rPr lang="hu-HU" dirty="0" err="1"/>
+              <a:t>Hamad</a:t>
+            </a:r>
+            <a:r>
+              <a:rPr lang="hu-HU" dirty="0"/>
+              <a:t> </a:t>
+            </a:r>
+            <a:r>
+              <a:rPr lang="hu-HU" dirty="0" err="1"/>
+              <a:t>Aszim</a:t>
+            </a:r>
+            <a:r>
+              <a:rPr lang="hu-HU" dirty="0"/>
+              <a:t> és Farkas Valentin</a:t>
+            </a:r>
+          </a:p>
+          <a:p>
+            <a:r>
+              <a:rPr lang="hu-HU" dirty="0"/>
+              <a:t>Backendért felelős: </a:t>
+            </a:r>
+            <a:r>
+              <a:rPr lang="hu-HU" dirty="0" err="1"/>
+              <a:t>Böröc</a:t>
+            </a:r>
+            <a:r>
+              <a:rPr lang="hu-HU" dirty="0"/>
+              <a:t> Tamás, Veres-Lakos Zsombor és Mészáros Zsolt.</a:t>
+            </a:r>
+          </a:p>
+          <a:p>
+            <a:r>
+              <a:rPr lang="hu-HU" dirty="0"/>
+              <a:t>Szoftver tesztelésért </a:t>
+            </a:r>
+            <a:r>
+              <a:rPr lang="hu-HU" dirty="0" err="1"/>
+              <a:t>Szvoreny</a:t>
+            </a:r>
+            <a:r>
+              <a:rPr lang="hu-HU" dirty="0"/>
+              <a:t> Viktor felelős.</a:t>
+            </a:r>
+          </a:p>
+          <a:p>
+            <a:r>
+              <a:rPr lang="hu-HU" dirty="0"/>
+              <a:t>Dokumentációkért és prezentációkért Mészáros Zsolt felel.</a:t>
+            </a:r>
+          </a:p>
+          <a:p>
+            <a:r>
+              <a:rPr lang="hu-HU" dirty="0"/>
+              <a:t>Adatbázist és adatkapcsolatokat Kovács Tamás fogja megvalósítani.</a:t>
+            </a:r>
+          </a:p>
+          <a:p>
+            <a:r>
+              <a:rPr lang="hu-HU" dirty="0"/>
+              <a:t>A további szükséges feladatokat </a:t>
+            </a:r>
+            <a:r>
+              <a:rPr lang="hu-HU" dirty="0" err="1"/>
+              <a:t>Pejnovac</a:t>
+            </a:r>
+            <a:r>
+              <a:rPr lang="hu-HU" dirty="0"/>
+              <a:t> Máté végzi.</a:t>
+            </a:r>
+          </a:p>
+        </p:txBody>
+      </p:sp>
+    </p:spTree>
+    <p:extLst>
+      <p:ext uri="{BB962C8B-B14F-4D97-AF65-F5344CB8AC3E}">
+        <p14:creationId xmlns:p14="http://schemas.microsoft.com/office/powerpoint/2010/main" val="3223636402"/>
+      </p:ext>
+    </p:extLst>
+  </p:cSld>
+  <p:clrMapOvr>
+    <a:masterClrMapping/>
+  </p:clrMapOvr>
+</p:sld>
+</file>
+
+<file path=ppt/slides/slide7.xml><?xml version="1.0" encoding="utf-8"?>
+<p:sld xmlns:a="http://schemas.openxmlformats.org/drawingml/2006/main" xmlns:r="http://schemas.openxmlformats.org/officeDocument/2006/relationships" xmlns:p="http://schemas.openxmlformats.org/presentationml/2006/main">
+  <p:cSld>
+    <p:spTree>
+      <p:nvGrpSpPr>
+        <p:cNvPr id="1" name=""/>
+        <p:cNvGrpSpPr/>
+        <p:nvPr/>
+      </p:nvGrpSpPr>
+      <p:grpSpPr>
+        <a:xfrm>
+          <a:off x="0" y="0"/>
+          <a:ext cx="0" cy="0"/>
+          <a:chOff x="0" y="0"/>
+          <a:chExt cx="0" cy="0"/>
+        </a:xfrm>
+      </p:grpSpPr>
+      <p:sp>
+        <p:nvSpPr>
+          <p:cNvPr id="2" name="Cím 1">
+            <a:extLst>
+              <a:ext uri="{FF2B5EF4-FFF2-40B4-BE49-F238E27FC236}">
                 <a16:creationId xmlns:a16="http://schemas.microsoft.com/office/drawing/2014/main" id="{8D7A815E-5FFF-4F10-A87F-223942474FCE}"/>
               </a:ext>
             </a:extLst>
@@ -5046,7 +5085,7 @@
 </p:sld>
 </file>
 
-<file path=ppt/slides/slide7.xml><?xml version="1.0" encoding="utf-8"?>
+<file path=ppt/slides/slide8.xml><?xml version="1.0" encoding="utf-8"?>
 <p:sld xmlns:a="http://schemas.openxmlformats.org/drawingml/2006/main" xmlns:r="http://schemas.openxmlformats.org/officeDocument/2006/relationships" xmlns:p="http://schemas.openxmlformats.org/presentationml/2006/main">
   <p:cSld>
     <p:bg>

--- a/dokumentumok/Bemutato.pptx
+++ b/dokumentumok/Bemutato.pptx
@@ -4645,6 +4645,18 @@
               <a:t>Elkezdtük megismerni a keretrendszert, erre létrehoztunk egy alap funkciókkal bíró kis szervert.</a:t>
             </a:r>
           </a:p>
+          <a:p>
+            <a:endParaRPr lang="hu-HU" dirty="0"/>
+          </a:p>
+          <a:p>
+            <a:r>
+              <a:rPr lang="hu-HU">
+                <a:hlinkClick r:id="rId2"/>
+              </a:rPr>
+              <a:t>Video</a:t>
+            </a:r>
+            <a:endParaRPr lang="hu-HU" dirty="0"/>
+          </a:p>
         </p:txBody>
       </p:sp>
     </p:spTree>

--- a/dokumentumok/Bemutato.pptx
+++ b/dokumentumok/Bemutato.pptx
@@ -6,11 +6,11 @@
   </p:sldMasterIdLst>
   <p:sldIdLst>
     <p:sldId id="256" r:id="rId2"/>
-    <p:sldId id="257" r:id="rId3"/>
-    <p:sldId id="264" r:id="rId4"/>
-    <p:sldId id="263" r:id="rId5"/>
-    <p:sldId id="259" r:id="rId6"/>
-    <p:sldId id="260" r:id="rId7"/>
+    <p:sldId id="259" r:id="rId3"/>
+    <p:sldId id="260" r:id="rId4"/>
+    <p:sldId id="257" r:id="rId5"/>
+    <p:sldId id="264" r:id="rId6"/>
+    <p:sldId id="263" r:id="rId7"/>
     <p:sldId id="262" r:id="rId8"/>
     <p:sldId id="261" r:id="rId9"/>
   </p:sldIdLst>
@@ -258,7 +258,7 @@
           <a:p>
             <a:fld id="{48A87A34-81AB-432B-8DAE-1953F412C126}" type="datetimeFigureOut">
               <a:rPr lang="en-US" dirty="0"/>
-              <a:t>10/11/2020</a:t>
+              <a:t>10/15/2020</a:t>
             </a:fld>
             <a:endParaRPr lang="en-US" dirty="0"/>
           </a:p>
@@ -464,7 +464,7 @@
           <a:p>
             <a:fld id="{48A87A34-81AB-432B-8DAE-1953F412C126}" type="datetimeFigureOut">
               <a:rPr lang="en-US" dirty="0"/>
-              <a:t>10/11/2020</a:t>
+              <a:t>10/15/2020</a:t>
             </a:fld>
             <a:endParaRPr lang="en-US" dirty="0"/>
           </a:p>
@@ -674,7 +674,7 @@
           <a:p>
             <a:fld id="{48A87A34-81AB-432B-8DAE-1953F412C126}" type="datetimeFigureOut">
               <a:rPr lang="en-US" dirty="0"/>
-              <a:t>10/11/2020</a:t>
+              <a:t>10/15/2020</a:t>
             </a:fld>
             <a:endParaRPr lang="en-US" dirty="0"/>
           </a:p>
@@ -870,7 +870,7 @@
           <a:p>
             <a:fld id="{48A87A34-81AB-432B-8DAE-1953F412C126}" type="datetimeFigureOut">
               <a:rPr lang="en-US" dirty="0"/>
-              <a:t>10/11/2020</a:t>
+              <a:t>10/15/2020</a:t>
             </a:fld>
             <a:endParaRPr lang="en-US" dirty="0"/>
           </a:p>
@@ -1144,7 +1144,7 @@
           <a:p>
             <a:fld id="{48A87A34-81AB-432B-8DAE-1953F412C126}" type="datetimeFigureOut">
               <a:rPr lang="en-US" dirty="0"/>
-              <a:t>10/11/2020</a:t>
+              <a:t>10/15/2020</a:t>
             </a:fld>
             <a:endParaRPr lang="en-US" dirty="0"/>
           </a:p>
@@ -1407,7 +1407,7 @@
           <a:p>
             <a:fld id="{48A87A34-81AB-432B-8DAE-1953F412C126}" type="datetimeFigureOut">
               <a:rPr lang="en-US" dirty="0"/>
-              <a:t>10/11/2020</a:t>
+              <a:t>10/15/2020</a:t>
             </a:fld>
             <a:endParaRPr lang="en-US" dirty="0"/>
           </a:p>
@@ -1818,7 +1818,7 @@
           <a:p>
             <a:fld id="{48A87A34-81AB-432B-8DAE-1953F412C126}" type="datetimeFigureOut">
               <a:rPr lang="en-US" dirty="0"/>
-              <a:t>10/11/2020</a:t>
+              <a:t>10/15/2020</a:t>
             </a:fld>
             <a:endParaRPr lang="en-US" dirty="0"/>
           </a:p>
@@ -1962,7 +1962,7 @@
           <a:p>
             <a:fld id="{48A87A34-81AB-432B-8DAE-1953F412C126}" type="datetimeFigureOut">
               <a:rPr lang="en-US" dirty="0"/>
-              <a:t>10/11/2020</a:t>
+              <a:t>10/15/2020</a:t>
             </a:fld>
             <a:endParaRPr lang="en-US" dirty="0"/>
           </a:p>
@@ -2083,7 +2083,7 @@
           <a:p>
             <a:fld id="{48A87A34-81AB-432B-8DAE-1953F412C126}" type="datetimeFigureOut">
               <a:rPr lang="en-US" dirty="0"/>
-              <a:t>10/11/2020</a:t>
+              <a:t>10/15/2020</a:t>
             </a:fld>
             <a:endParaRPr lang="en-US" dirty="0"/>
           </a:p>
@@ -2329,7 +2329,7 @@
           <a:p>
             <a:fld id="{48A87A34-81AB-432B-8DAE-1953F412C126}" type="datetimeFigureOut">
               <a:rPr lang="en-US" dirty="0"/>
-              <a:t>10/11/2020</a:t>
+              <a:t>10/15/2020</a:t>
             </a:fld>
             <a:endParaRPr lang="en-US" dirty="0"/>
           </a:p>
@@ -2770,7 +2770,7 @@
             <a:fld id="{48A87A34-81AB-432B-8DAE-1953F412C126}" type="datetimeFigureOut">
               <a:rPr lang="en-US" dirty="0"/>
               <a:pPr/>
-              <a:t>10/11/2020</a:t>
+              <a:t>10/15/2020</a:t>
             </a:fld>
             <a:endParaRPr lang="en-US" dirty="0"/>
           </a:p>
@@ -3093,7 +3093,7 @@
             <a:fld id="{48A87A34-81AB-432B-8DAE-1953F412C126}" type="datetimeFigureOut">
               <a:rPr lang="en-US" dirty="0"/>
               <a:pPr/>
-              <a:t>10/11/2020</a:t>
+              <a:t>10/15/2020</a:t>
             </a:fld>
             <a:endParaRPr lang="en-US" dirty="0"/>
           </a:p>
@@ -3649,30 +3649,6 @@
 <file path=ppt/slides/slide2.xml><?xml version="1.0" encoding="utf-8"?>
 <p:sld xmlns:a="http://schemas.openxmlformats.org/drawingml/2006/main" xmlns:r="http://schemas.openxmlformats.org/officeDocument/2006/relationships" xmlns:p="http://schemas.openxmlformats.org/presentationml/2006/main">
   <p:cSld>
-    <p:bg>
-      <p:bgPr>
-        <a:gradFill rotWithShape="1">
-          <a:gsLst>
-            <a:gs pos="0">
-              <a:schemeClr val="bg2">
-                <a:tint val="94000"/>
-                <a:satMod val="80000"/>
-                <a:lumMod val="106000"/>
-              </a:schemeClr>
-            </a:gs>
-            <a:gs pos="100000">
-              <a:schemeClr val="bg2">
-                <a:shade val="80000"/>
-              </a:schemeClr>
-            </a:gs>
-          </a:gsLst>
-          <a:path path="circle">
-            <a:fillToRect l="43000" r="43000" b="100000"/>
-          </a:path>
-        </a:gradFill>
-        <a:effectLst/>
-      </p:bgPr>
-    </p:bg>
     <p:spTree>
       <p:nvGrpSpPr>
         <p:cNvPr id="1" name=""/>
@@ -3687,513 +3663,87 @@
           <a:chExt cx="0" cy="0"/>
         </a:xfrm>
       </p:grpSpPr>
-      <p:sp useBgFill="1">
-        <p:nvSpPr>
-          <p:cNvPr id="73" name="Rectangle 72">
+      <p:sp>
+        <p:nvSpPr>
+          <p:cNvPr id="2" name="Cím 1">
             <a:extLst>
               <a:ext uri="{FF2B5EF4-FFF2-40B4-BE49-F238E27FC236}">
-                <a16:creationId xmlns:a16="http://schemas.microsoft.com/office/drawing/2014/main" id="{EED2B910-B28F-4A54-B17C-8B7E5893AABB}"/>
-              </a:ext>
-              <a:ext uri="{C183D7F6-B498-43B3-948B-1728B52AA6E4}">
-                <adec:decorative xmlns:adec="http://schemas.microsoft.com/office/drawing/2017/decorative" val="1"/>
+                <a16:creationId xmlns:a16="http://schemas.microsoft.com/office/drawing/2014/main" id="{AA7FA080-29A0-47C9-B02F-B1DCD34314A2}"/>
               </a:ext>
             </a:extLst>
           </p:cNvPr>
           <p:cNvSpPr>
-            <a:spLocks noGrp="1" noRot="1" noChangeAspect="1" noMove="1" noResize="1" noEditPoints="1" noAdjustHandles="1" noChangeArrowheads="1" noChangeShapeType="1" noTextEdit="1"/>
-          </p:cNvSpPr>
-          <p:nvPr>
-            <p:extLst>
-              <p:ext uri="{386F3935-93C4-4BCD-93E2-E3B085C9AB24}">
-                <p16:designElem xmlns:p16="http://schemas.microsoft.com/office/powerpoint/2015/main" val="1"/>
-              </p:ext>
-            </p:extLst>
-          </p:nvPr>
-        </p:nvSpPr>
-        <p:spPr>
-          <a:xfrm>
-            <a:off x="2" y="0"/>
-            <a:ext cx="12191695" cy="6858000"/>
-          </a:xfrm>
-          <a:prstGeom prst="rect">
-            <a:avLst/>
-          </a:prstGeom>
-          <a:ln>
-            <a:noFill/>
-          </a:ln>
-        </p:spPr>
-        <p:style>
-          <a:lnRef idx="2">
-            <a:schemeClr val="accent1">
-              <a:shade val="50000"/>
-            </a:schemeClr>
-          </a:lnRef>
-          <a:fillRef idx="1">
-            <a:schemeClr val="accent1"/>
-          </a:fillRef>
-          <a:effectRef idx="0">
-            <a:schemeClr val="accent1"/>
-          </a:effectRef>
-          <a:fontRef idx="minor">
-            <a:schemeClr val="lt1"/>
-          </a:fontRef>
-        </p:style>
-        <p:txBody>
-          <a:bodyPr rtlCol="0" anchor="ctr"/>
-          <a:lstStyle/>
-          <a:p>
-            <a:pPr algn="ctr"/>
-            <a:endParaRPr lang="en-US"/>
-          </a:p>
-        </p:txBody>
-      </p:sp>
-      <p:cxnSp>
-        <p:nvCxnSpPr>
-          <p:cNvPr id="75" name="Straight Connector 74">
+            <a:spLocks noGrp="1"/>
+          </p:cNvSpPr>
+          <p:nvPr>
+            <p:ph type="title"/>
+          </p:nvPr>
+        </p:nvSpPr>
+        <p:spPr/>
+        <p:txBody>
+          <a:bodyPr/>
+          <a:lstStyle/>
+          <a:p>
+            <a:r>
+              <a:rPr lang="hu-HU" dirty="0" err="1"/>
+              <a:t>ProjektMenedzser</a:t>
+            </a:r>
+            <a:endParaRPr lang="hu-HU" dirty="0"/>
+          </a:p>
+        </p:txBody>
+      </p:sp>
+      <p:sp>
+        <p:nvSpPr>
+          <p:cNvPr id="3" name="Tartalom helye 2">
             <a:extLst>
               <a:ext uri="{FF2B5EF4-FFF2-40B4-BE49-F238E27FC236}">
-                <a16:creationId xmlns:a16="http://schemas.microsoft.com/office/drawing/2014/main" id="{C545F118-1DF8-46A9-8A77-B3D9422CEA4A}"/>
-              </a:ext>
-              <a:ext uri="{C183D7F6-B498-43B3-948B-1728B52AA6E4}">
-                <adec:decorative xmlns:adec="http://schemas.microsoft.com/office/drawing/2017/decorative" val="1"/>
+                <a16:creationId xmlns:a16="http://schemas.microsoft.com/office/drawing/2014/main" id="{5616B936-33E0-4138-8784-61C1BC43DF86}"/>
               </a:ext>
             </a:extLst>
           </p:cNvPr>
-          <p:cNvCxnSpPr>
-            <a:cxnSpLocks noGrp="1" noRot="1" noChangeAspect="1" noMove="1" noResize="1" noEditPoints="1" noAdjustHandles="1" noChangeArrowheads="1" noChangeShapeType="1"/>
-          </p:cNvCxnSpPr>
-          <p:nvPr>
-            <p:extLst>
-              <p:ext uri="{386F3935-93C4-4BCD-93E2-E3B085C9AB24}">
-                <p16:designElem xmlns:p16="http://schemas.microsoft.com/office/powerpoint/2015/main" val="1"/>
-              </p:ext>
-            </p:extLst>
-          </p:nvPr>
-        </p:nvCxnSpPr>
-        <p:spPr>
-          <a:xfrm>
-            <a:off x="5198775" y="1847088"/>
-            <a:ext cx="5548039" cy="0"/>
-          </a:xfrm>
-          <a:prstGeom prst="line">
-            <a:avLst/>
-          </a:prstGeom>
-          <a:ln w="31750"/>
-        </p:spPr>
-        <p:style>
-          <a:lnRef idx="3">
-            <a:schemeClr val="accent1"/>
-          </a:lnRef>
-          <a:fillRef idx="0">
-            <a:schemeClr val="accent1"/>
-          </a:fillRef>
-          <a:effectRef idx="2">
-            <a:schemeClr val="accent1"/>
-          </a:effectRef>
-          <a:fontRef idx="minor">
-            <a:schemeClr val="tx1"/>
-          </a:fontRef>
-        </p:style>
-      </p:cxnSp>
-      <p:sp>
-        <p:nvSpPr>
-          <p:cNvPr id="2" name="Cím 1">
-            <a:extLst>
-              <a:ext uri="{FF2B5EF4-FFF2-40B4-BE49-F238E27FC236}">
-                <a16:creationId xmlns:a16="http://schemas.microsoft.com/office/drawing/2014/main" id="{1ECB911A-619B-4CC1-9FA8-8F31FAEC35D1}"/>
-              </a:ext>
-            </a:extLst>
-          </p:cNvPr>
-          <p:cNvSpPr>
-            <a:spLocks noGrp="1"/>
-          </p:cNvSpPr>
-          <p:nvPr>
-            <p:ph type="title"/>
-          </p:nvPr>
-        </p:nvSpPr>
-        <p:spPr>
-          <a:xfrm>
-            <a:off x="5196457" y="804519"/>
-            <a:ext cx="5550357" cy="1049235"/>
-          </a:xfrm>
-        </p:spPr>
-        <p:txBody>
-          <a:bodyPr>
-            <a:normAutofit/>
-          </a:bodyPr>
+          <p:cNvSpPr>
+            <a:spLocks noGrp="1"/>
+          </p:cNvSpPr>
+          <p:nvPr>
+            <p:ph idx="1"/>
+          </p:nvPr>
+        </p:nvSpPr>
+        <p:spPr/>
+        <p:txBody>
+          <a:bodyPr/>
           <a:lstStyle/>
           <a:p>
             <a:r>
               <a:rPr lang="hu-HU" dirty="0"/>
-              <a:t>Projekt leírása</a:t>
-            </a:r>
-          </a:p>
-        </p:txBody>
-      </p:sp>
-      <p:sp>
-        <p:nvSpPr>
-          <p:cNvPr id="77" name="Rectangle 76">
-            <a:extLst>
-              <a:ext uri="{FF2B5EF4-FFF2-40B4-BE49-F238E27FC236}">
-                <a16:creationId xmlns:a16="http://schemas.microsoft.com/office/drawing/2014/main" id="{7CAB7D27-148D-4082-B160-72FAD580D663}"/>
-              </a:ext>
-              <a:ext uri="{C183D7F6-B498-43B3-948B-1728B52AA6E4}">
-                <adec:decorative xmlns:adec="http://schemas.microsoft.com/office/drawing/2017/decorative" val="1"/>
-              </a:ext>
-            </a:extLst>
-          </p:cNvPr>
-          <p:cNvSpPr>
-            <a:spLocks noGrp="1" noRot="1" noChangeAspect="1" noMove="1" noResize="1" noEditPoints="1" noAdjustHandles="1" noChangeArrowheads="1" noChangeShapeType="1" noTextEdit="1"/>
-          </p:cNvSpPr>
-          <p:nvPr>
-            <p:extLst>
-              <p:ext uri="{386F3935-93C4-4BCD-93E2-E3B085C9AB24}">
-                <p16:designElem xmlns:p16="http://schemas.microsoft.com/office/powerpoint/2015/main" val="1"/>
-              </p:ext>
-            </p:extLst>
-          </p:nvPr>
-        </p:nvSpPr>
-        <p:spPr>
-          <a:xfrm>
-            <a:off x="0" y="2019476"/>
-            <a:ext cx="12192000" cy="4105941"/>
-          </a:xfrm>
-          <a:prstGeom prst="rect">
-            <a:avLst/>
-          </a:prstGeom>
-          <a:gradFill flip="none" rotWithShape="1">
-            <a:gsLst>
-              <a:gs pos="0">
-                <a:schemeClr val="bg2">
-                  <a:alpha val="0"/>
-                </a:schemeClr>
-              </a:gs>
-              <a:gs pos="100000">
-                <a:schemeClr val="bg2"/>
-              </a:gs>
-            </a:gsLst>
-            <a:lin ang="5400000" scaled="0"/>
-            <a:tileRect/>
-          </a:gradFill>
-          <a:ln>
-            <a:noFill/>
-          </a:ln>
-        </p:spPr>
-        <p:style>
-          <a:lnRef idx="2">
-            <a:schemeClr val="accent1">
-              <a:shade val="50000"/>
-            </a:schemeClr>
-          </a:lnRef>
-          <a:fillRef idx="1">
-            <a:schemeClr val="accent1"/>
-          </a:fillRef>
-          <a:effectRef idx="0">
-            <a:schemeClr val="accent1"/>
-          </a:effectRef>
-          <a:fontRef idx="minor">
-            <a:schemeClr val="lt1"/>
-          </a:fontRef>
-        </p:style>
-        <p:txBody>
-          <a:bodyPr rtlCol="0" anchor="ctr"/>
-          <a:lstStyle/>
-          <a:p>
-            <a:pPr lvl="0" algn="ctr"/>
-            <a:endParaRPr lang="en-US"/>
-          </a:p>
-        </p:txBody>
-      </p:sp>
-      <p:pic>
-        <p:nvPicPr>
-          <p:cNvPr id="2052" name="Picture 4" descr="Download - Thymeleaf">
-            <a:extLst>
-              <a:ext uri="{FF2B5EF4-FFF2-40B4-BE49-F238E27FC236}">
-                <a16:creationId xmlns:a16="http://schemas.microsoft.com/office/drawing/2014/main" id="{6D499125-C63E-4FF1-8138-2AFA48CC2408}"/>
-              </a:ext>
-            </a:extLst>
-          </p:cNvPr>
-          <p:cNvPicPr>
-            <a:picLocks noChangeAspect="1" noChangeArrowheads="1"/>
-          </p:cNvPicPr>
-          <p:nvPr/>
-        </p:nvPicPr>
-        <p:blipFill>
-          <a:blip r:embed="rId2">
-            <a:extLst>
-              <a:ext uri="{28A0092B-C50C-407E-A947-70E740481C1C}">
-                <a14:useLocalDpi xmlns:a14="http://schemas.microsoft.com/office/drawing/2010/main" val="0"/>
-              </a:ext>
-            </a:extLst>
-          </a:blip>
-          <a:stretch>
-            <a:fillRect/>
-          </a:stretch>
-        </p:blipFill>
-        <p:spPr bwMode="auto">
-          <a:xfrm>
-            <a:off x="632239" y="1314438"/>
-            <a:ext cx="4074836" cy="825154"/>
-          </a:xfrm>
-          <a:prstGeom prst="rect">
-            <a:avLst/>
-          </a:prstGeom>
-          <a:noFill/>
-          <a:extLst>
-            <a:ext uri="{909E8E84-426E-40DD-AFC4-6F175D3DCCD1}">
-              <a14:hiddenFill xmlns:a14="http://schemas.microsoft.com/office/drawing/2010/main">
-                <a:solidFill>
-                  <a:srgbClr val="FFFFFF"/>
-                </a:solidFill>
-              </a14:hiddenFill>
-            </a:ext>
-          </a:extLst>
-        </p:spPr>
-      </p:pic>
-      <p:pic>
-        <p:nvPicPr>
-          <p:cNvPr id="2050" name="Picture 2">
-            <a:extLst>
-              <a:ext uri="{FF2B5EF4-FFF2-40B4-BE49-F238E27FC236}">
-                <a16:creationId xmlns:a16="http://schemas.microsoft.com/office/drawing/2014/main" id="{A61D6277-53DE-4B9F-A469-D96201C39B2C}"/>
-              </a:ext>
-            </a:extLst>
-          </p:cNvPr>
-          <p:cNvPicPr>
-            <a:picLocks noChangeAspect="1" noChangeArrowheads="1"/>
-          </p:cNvPicPr>
-          <p:nvPr/>
-        </p:nvPicPr>
-        <p:blipFill>
-          <a:blip r:embed="rId3">
-            <a:extLst>
-              <a:ext uri="{28A0092B-C50C-407E-A947-70E740481C1C}">
-                <a14:useLocalDpi xmlns:a14="http://schemas.microsoft.com/office/drawing/2010/main" val="0"/>
-              </a:ext>
-            </a:extLst>
-          </a:blip>
-          <a:stretch>
-            <a:fillRect/>
-          </a:stretch>
-        </p:blipFill>
-        <p:spPr bwMode="auto">
-          <a:xfrm>
-            <a:off x="632239" y="3675952"/>
-            <a:ext cx="4074836" cy="1416005"/>
-          </a:xfrm>
-          <a:prstGeom prst="rect">
-            <a:avLst/>
-          </a:prstGeom>
-          <a:noFill/>
-          <a:extLst>
-            <a:ext uri="{909E8E84-426E-40DD-AFC4-6F175D3DCCD1}">
-              <a14:hiddenFill xmlns:a14="http://schemas.microsoft.com/office/drawing/2010/main">
-                <a:solidFill>
-                  <a:srgbClr val="FFFFFF"/>
-                </a:solidFill>
-              </a14:hiddenFill>
-            </a:ext>
-          </a:extLst>
-        </p:spPr>
-      </p:pic>
-      <p:sp>
-        <p:nvSpPr>
-          <p:cNvPr id="3" name="Tartalom helye 2">
-            <a:extLst>
-              <a:ext uri="{FF2B5EF4-FFF2-40B4-BE49-F238E27FC236}">
-                <a16:creationId xmlns:a16="http://schemas.microsoft.com/office/drawing/2014/main" id="{FBD0BD05-3171-4351-A3A7-5A4B4C8BB5EA}"/>
-              </a:ext>
-            </a:extLst>
-          </p:cNvPr>
-          <p:cNvSpPr>
-            <a:spLocks noGrp="1"/>
-          </p:cNvSpPr>
-          <p:nvPr>
-            <p:ph idx="1"/>
-          </p:nvPr>
-        </p:nvSpPr>
-        <p:spPr>
-          <a:xfrm>
-            <a:off x="5196457" y="2015732"/>
-            <a:ext cx="5550357" cy="3450613"/>
-          </a:xfrm>
-        </p:spPr>
-        <p:txBody>
-          <a:bodyPr>
-            <a:normAutofit/>
-          </a:bodyPr>
-          <a:lstStyle/>
-          <a:p>
-            <a:pPr>
-              <a:lnSpc>
-                <a:spcPct val="110000"/>
-              </a:lnSpc>
-            </a:pPr>
-            <a:r>
-              <a:rPr lang="hu-HU" sz="1600" dirty="0"/>
-              <a:t>Projektünkben egy ingatlan hirdető oldalt fogunk megvalósítani, amelyet egy 8 fős fejlesztő brigád fog kivitelezni. </a:t>
-            </a:r>
-          </a:p>
-          <a:p>
-            <a:pPr>
-              <a:lnSpc>
-                <a:spcPct val="110000"/>
-              </a:lnSpc>
-            </a:pPr>
-            <a:r>
-              <a:rPr lang="hu-HU" sz="1600" dirty="0"/>
-              <a:t>Programozási keretrendszer Spring Boot lesz a </a:t>
-            </a:r>
-            <a:r>
-              <a:rPr lang="hu-HU" sz="1600" dirty="0" err="1"/>
-              <a:t>FrontEnd</a:t>
-            </a:r>
-            <a:r>
-              <a:rPr lang="hu-HU" sz="1600" dirty="0"/>
-              <a:t> pedig </a:t>
-            </a:r>
-            <a:r>
-              <a:rPr lang="hu-HU" sz="1600" b="0" i="0" dirty="0" err="1">
-                <a:effectLst/>
-                <a:latin typeface="arial" panose="020B0604020202020204" pitchFamily="34" charset="0"/>
-              </a:rPr>
-              <a:t>Thymeleaf</a:t>
-            </a:r>
-            <a:r>
-              <a:rPr lang="hu-HU" sz="1600" b="0" i="0" dirty="0">
-                <a:effectLst/>
-                <a:latin typeface="arial" panose="020B0604020202020204" pitchFamily="34" charset="0"/>
-              </a:rPr>
-              <a:t>-ben lesz fejlesztve.</a:t>
-            </a:r>
-            <a:endParaRPr lang="hu-HU" sz="1600" dirty="0"/>
-          </a:p>
-          <a:p>
-            <a:pPr>
-              <a:lnSpc>
-                <a:spcPct val="110000"/>
-              </a:lnSpc>
-            </a:pPr>
-            <a:r>
-              <a:rPr lang="hu-HU" sz="1600" dirty="0"/>
-              <a:t>A weboldal minden hirdetési igényt kifog elégíteni, mint például jó felbontású képek feltöltésének a lehetősége, megfelelő szűrési lehetőségek beállítása, regisztrált felhasználók saját jogosultságokkal bírnak.</a:t>
-            </a:r>
-          </a:p>
-          <a:p>
-            <a:pPr>
-              <a:lnSpc>
-                <a:spcPct val="110000"/>
-              </a:lnSpc>
-            </a:pPr>
-            <a:r>
-              <a:rPr lang="hu-HU" sz="1600" dirty="0"/>
-              <a:t>A hirdetések megfelelően lesznek szűrve, minden hirdetés jóváhagyással kerül ki.</a:t>
-            </a:r>
-          </a:p>
-        </p:txBody>
-      </p:sp>
-      <p:pic>
-        <p:nvPicPr>
-          <p:cNvPr id="79" name="Picture 78">
-            <a:extLst>
-              <a:ext uri="{FF2B5EF4-FFF2-40B4-BE49-F238E27FC236}">
-                <a16:creationId xmlns:a16="http://schemas.microsoft.com/office/drawing/2014/main" id="{CD88FC76-F691-462A-BCF9-0BA4F5DE6D71}"/>
-              </a:ext>
-              <a:ext uri="{C183D7F6-B498-43B3-948B-1728B52AA6E4}">
-                <adec:decorative xmlns:adec="http://schemas.microsoft.com/office/drawing/2017/decorative" val="1"/>
-              </a:ext>
-            </a:extLst>
-          </p:cNvPr>
-          <p:cNvPicPr>
-            <a:picLocks noGrp="1" noRot="1" noChangeAspect="1" noMove="1" noResize="1" noEditPoints="1" noAdjustHandles="1" noChangeArrowheads="1" noChangeShapeType="1" noCrop="1"/>
-          </p:cNvPicPr>
-          <p:nvPr>
-            <p:extLst>
-              <p:ext uri="{386F3935-93C4-4BCD-93E2-E3B085C9AB24}">
-                <p16:designElem xmlns:p16="http://schemas.microsoft.com/office/powerpoint/2015/main" val="1"/>
-              </p:ext>
-            </p:extLst>
-          </p:nvPr>
-        </p:nvPicPr>
-        <p:blipFill rotWithShape="1">
-          <a:blip r:embed="rId4">
-            <a:extLst>
-              <a:ext uri="{28A0092B-C50C-407E-A947-70E740481C1C}">
-                <a14:useLocalDpi xmlns:a14="http://schemas.microsoft.com/office/drawing/2010/main" val="0"/>
-              </a:ext>
-            </a:extLst>
-          </a:blip>
-          <a:srcRect t="1538" b="-1538"/>
-          <a:stretch/>
-        </p:blipFill>
-        <p:spPr bwMode="black">
-          <a:xfrm>
-            <a:off x="0" y="6126480"/>
-            <a:ext cx="12192000" cy="742950"/>
-          </a:xfrm>
-          <a:prstGeom prst="rect">
-            <a:avLst/>
-          </a:prstGeom>
-        </p:spPr>
-      </p:pic>
-      <p:cxnSp>
-        <p:nvCxnSpPr>
-          <p:cNvPr id="81" name="Straight Connector 80">
-            <a:extLst>
-              <a:ext uri="{FF2B5EF4-FFF2-40B4-BE49-F238E27FC236}">
-                <a16:creationId xmlns:a16="http://schemas.microsoft.com/office/drawing/2014/main" id="{33204A7E-B7E9-42D0-9DC4-B82FDC8C4BCC}"/>
-              </a:ext>
-              <a:ext uri="{C183D7F6-B498-43B3-948B-1728B52AA6E4}">
-                <adec:decorative xmlns:adec="http://schemas.microsoft.com/office/drawing/2017/decorative" val="1"/>
-              </a:ext>
-            </a:extLst>
-          </p:cNvPr>
-          <p:cNvCxnSpPr>
-            <a:cxnSpLocks noGrp="1" noRot="1" noChangeAspect="1" noMove="1" noResize="1" noEditPoints="1" noAdjustHandles="1" noChangeArrowheads="1" noChangeShapeType="1"/>
-          </p:cNvCxnSpPr>
-          <p:nvPr>
-            <p:extLst>
-              <p:ext uri="{386F3935-93C4-4BCD-93E2-E3B085C9AB24}">
-                <p16:designElem xmlns:p16="http://schemas.microsoft.com/office/powerpoint/2015/main" val="1"/>
-              </p:ext>
-            </p:extLst>
-          </p:nvPr>
-        </p:nvCxnSpPr>
-        <p:spPr>
-          <a:xfrm>
-            <a:off x="0" y="6128413"/>
-            <a:ext cx="12192000" cy="0"/>
-          </a:xfrm>
-          <a:prstGeom prst="line">
-            <a:avLst/>
-          </a:prstGeom>
-          <a:ln w="12700">
-            <a:solidFill>
-              <a:srgbClr val="000001">
-                <a:alpha val="20000"/>
-              </a:srgbClr>
-            </a:solidFill>
-          </a:ln>
-        </p:spPr>
-        <p:style>
-          <a:lnRef idx="1">
-            <a:schemeClr val="accent1"/>
-          </a:lnRef>
-          <a:fillRef idx="0">
-            <a:schemeClr val="accent1"/>
-          </a:fillRef>
-          <a:effectRef idx="0">
-            <a:schemeClr val="accent1"/>
-          </a:effectRef>
-          <a:fontRef idx="minor">
-            <a:schemeClr val="tx1"/>
-          </a:fontRef>
-        </p:style>
-      </p:cxnSp>
+              <a:t>A projekt projektmenedzsere és backend fejlesztőnk Veres-Lakos Zsombor.</a:t>
+            </a:r>
+          </a:p>
+          <a:p>
+            <a:r>
+              <a:rPr lang="hu-HU" dirty="0"/>
+              <a:t>Zsombor korábban már egy évet dolgozott </a:t>
+            </a:r>
+            <a:r>
+              <a:rPr lang="hu-HU" dirty="0" err="1"/>
+              <a:t>Aensys</a:t>
+            </a:r>
+            <a:r>
+              <a:rPr lang="hu-HU" dirty="0"/>
+              <a:t> KFT-nél. </a:t>
+            </a:r>
+          </a:p>
+          <a:p>
+            <a:r>
+              <a:rPr lang="hu-HU" dirty="0"/>
+              <a:t>Volt már része JAVA projektekben, hobbija is ehhez köthető.</a:t>
+            </a:r>
+          </a:p>
+        </p:txBody>
+      </p:sp>
     </p:spTree>
     <p:extLst>
       <p:ext uri="{BB962C8B-B14F-4D97-AF65-F5344CB8AC3E}">
-        <p14:creationId xmlns:p14="http://schemas.microsoft.com/office/powerpoint/2010/main" val="737994088"/>
+        <p14:creationId xmlns:p14="http://schemas.microsoft.com/office/powerpoint/2010/main" val="2045123648"/>
       </p:ext>
     </p:extLst>
   </p:cSld>
@@ -4204,6 +3754,156 @@
 </file>
 
 <file path=ppt/slides/slide3.xml><?xml version="1.0" encoding="utf-8"?>
+<p:sld xmlns:a="http://schemas.openxmlformats.org/drawingml/2006/main" xmlns:r="http://schemas.openxmlformats.org/officeDocument/2006/relationships" xmlns:p="http://schemas.openxmlformats.org/presentationml/2006/main">
+  <p:cSld>
+    <p:spTree>
+      <p:nvGrpSpPr>
+        <p:cNvPr id="1" name=""/>
+        <p:cNvGrpSpPr/>
+        <p:nvPr/>
+      </p:nvGrpSpPr>
+      <p:grpSpPr>
+        <a:xfrm>
+          <a:off x="0" y="0"/>
+          <a:ext cx="0" cy="0"/>
+          <a:chOff x="0" y="0"/>
+          <a:chExt cx="0" cy="0"/>
+        </a:xfrm>
+      </p:grpSpPr>
+      <p:sp>
+        <p:nvSpPr>
+          <p:cNvPr id="2" name="Cím 1">
+            <a:extLst>
+              <a:ext uri="{FF2B5EF4-FFF2-40B4-BE49-F238E27FC236}">
+                <a16:creationId xmlns:a16="http://schemas.microsoft.com/office/drawing/2014/main" id="{EAAB799F-D33E-4C2F-B3FC-749E15F0DFE2}"/>
+              </a:ext>
+            </a:extLst>
+          </p:cNvPr>
+          <p:cNvSpPr>
+            <a:spLocks noGrp="1"/>
+          </p:cNvSpPr>
+          <p:nvPr>
+            <p:ph type="title"/>
+          </p:nvPr>
+        </p:nvSpPr>
+        <p:spPr/>
+        <p:txBody>
+          <a:bodyPr/>
+          <a:lstStyle/>
+          <a:p>
+            <a:r>
+              <a:rPr lang="hu-HU" dirty="0"/>
+              <a:t>fejlesztőink</a:t>
+            </a:r>
+          </a:p>
+        </p:txBody>
+      </p:sp>
+      <p:sp>
+        <p:nvSpPr>
+          <p:cNvPr id="3" name="Tartalom helye 2">
+            <a:extLst>
+              <a:ext uri="{FF2B5EF4-FFF2-40B4-BE49-F238E27FC236}">
+                <a16:creationId xmlns:a16="http://schemas.microsoft.com/office/drawing/2014/main" id="{04789CB8-28BB-43E4-B667-1ACA75553B8C}"/>
+              </a:ext>
+            </a:extLst>
+          </p:cNvPr>
+          <p:cNvSpPr>
+            <a:spLocks noGrp="1"/>
+          </p:cNvSpPr>
+          <p:nvPr>
+            <p:ph idx="1"/>
+          </p:nvPr>
+        </p:nvSpPr>
+        <p:spPr/>
+        <p:txBody>
+          <a:bodyPr/>
+          <a:lstStyle/>
+          <a:p>
+            <a:r>
+              <a:rPr lang="hu-HU" dirty="0"/>
+              <a:t>Megjelenésért legfőképp felelősek:  </a:t>
+            </a:r>
+            <a:r>
+              <a:rPr lang="hu-HU" dirty="0" err="1"/>
+              <a:t>Hamad</a:t>
+            </a:r>
+            <a:r>
+              <a:rPr lang="hu-HU" dirty="0"/>
+              <a:t> </a:t>
+            </a:r>
+            <a:r>
+              <a:rPr lang="hu-HU" dirty="0" err="1"/>
+              <a:t>Aszim</a:t>
+            </a:r>
+            <a:r>
+              <a:rPr lang="hu-HU" dirty="0"/>
+              <a:t> és Farkas Valentin</a:t>
+            </a:r>
+          </a:p>
+          <a:p>
+            <a:r>
+              <a:rPr lang="hu-HU" dirty="0"/>
+              <a:t>Backendért felelős: </a:t>
+            </a:r>
+            <a:r>
+              <a:rPr lang="hu-HU" dirty="0" err="1"/>
+              <a:t>Böröc</a:t>
+            </a:r>
+            <a:r>
+              <a:rPr lang="hu-HU" dirty="0"/>
+              <a:t> Tamás, Veres-Lakos Zsombor és Mészáros Zsolt.</a:t>
+            </a:r>
+          </a:p>
+          <a:p>
+            <a:r>
+              <a:rPr lang="hu-HU" dirty="0"/>
+              <a:t>Szoftver tesztelésért </a:t>
+            </a:r>
+            <a:r>
+              <a:rPr lang="hu-HU" dirty="0" err="1"/>
+              <a:t>Szvoreny</a:t>
+            </a:r>
+            <a:r>
+              <a:rPr lang="hu-HU" dirty="0"/>
+              <a:t> Viktor felelős.</a:t>
+            </a:r>
+          </a:p>
+          <a:p>
+            <a:r>
+              <a:rPr lang="hu-HU" dirty="0"/>
+              <a:t>Dokumentációkért és prezentációkért Mészáros Zsolt felel.</a:t>
+            </a:r>
+          </a:p>
+          <a:p>
+            <a:r>
+              <a:rPr lang="hu-HU" dirty="0"/>
+              <a:t>Adatbázist és adatkapcsolatokat Kovács Tamás fogja és </a:t>
+            </a:r>
+            <a:r>
+              <a:rPr lang="hu-HU" dirty="0" err="1"/>
+              <a:t>Pejnovac</a:t>
+            </a:r>
+            <a:r>
+              <a:rPr lang="hu-HU" dirty="0"/>
+              <a:t> Máté megvalósítani.</a:t>
+            </a:r>
+          </a:p>
+        </p:txBody>
+      </p:sp>
+    </p:spTree>
+    <p:extLst>
+      <p:ext uri="{BB962C8B-B14F-4D97-AF65-F5344CB8AC3E}">
+        <p14:creationId xmlns:p14="http://schemas.microsoft.com/office/powerpoint/2010/main" val="3223636402"/>
+      </p:ext>
+    </p:extLst>
+  </p:cSld>
+  <p:clrMapOvr>
+    <a:masterClrMapping/>
+  </p:clrMapOvr>
+</p:sld>
+</file>
+
+<file path=ppt/slides/slide4.xml><?xml version="1.0" encoding="utf-8"?>
 <p:sld xmlns:a="http://schemas.openxmlformats.org/drawingml/2006/main" xmlns:r="http://schemas.openxmlformats.org/officeDocument/2006/relationships" xmlns:p="http://schemas.openxmlformats.org/presentationml/2006/main">
   <p:cSld>
     <p:bg>
@@ -4246,10 +3946,10 @@
       </p:grpSpPr>
       <p:sp useBgFill="1">
         <p:nvSpPr>
-          <p:cNvPr id="34" name="Rectangle 33">
+          <p:cNvPr id="73" name="Rectangle 72">
             <a:extLst>
               <a:ext uri="{FF2B5EF4-FFF2-40B4-BE49-F238E27FC236}">
-                <a16:creationId xmlns:a16="http://schemas.microsoft.com/office/drawing/2014/main" id="{C630F413-44CE-4746-9821-9E0107978E7A}"/>
+                <a16:creationId xmlns:a16="http://schemas.microsoft.com/office/drawing/2014/main" id="{EED2B910-B28F-4A54-B17C-8B7E5893AABB}"/>
               </a:ext>
               <a:ext uri="{C183D7F6-B498-43B3-948B-1728B52AA6E4}">
                 <adec:decorative xmlns:adec="http://schemas.microsoft.com/office/drawing/2017/decorative" val="1"/>
@@ -4304,21 +4004,21 @@
           </a:p>
         </p:txBody>
       </p:sp>
-      <p:sp>
-        <p:nvSpPr>
-          <p:cNvPr id="36" name="Rectangle 35">
+      <p:cxnSp>
+        <p:nvCxnSpPr>
+          <p:cNvPr id="75" name="Straight Connector 74">
             <a:extLst>
               <a:ext uri="{FF2B5EF4-FFF2-40B4-BE49-F238E27FC236}">
-                <a16:creationId xmlns:a16="http://schemas.microsoft.com/office/drawing/2014/main" id="{22D671B1-B099-4F9C-B9CC-9D22B4DAF8A8}"/>
+                <a16:creationId xmlns:a16="http://schemas.microsoft.com/office/drawing/2014/main" id="{C545F118-1DF8-46A9-8A77-B3D9422CEA4A}"/>
               </a:ext>
               <a:ext uri="{C183D7F6-B498-43B3-948B-1728B52AA6E4}">
                 <adec:decorative xmlns:adec="http://schemas.microsoft.com/office/drawing/2017/decorative" val="1"/>
               </a:ext>
             </a:extLst>
           </p:cNvPr>
-          <p:cNvSpPr>
-            <a:spLocks noGrp="1" noRot="1" noChangeAspect="1" noMove="1" noResize="1" noEditPoints="1" noAdjustHandles="1" noChangeArrowheads="1" noChangeShapeType="1" noTextEdit="1"/>
-          </p:cNvSpPr>
+          <p:cNvCxnSpPr>
+            <a:cxnSpLocks noGrp="1" noRot="1" noChangeAspect="1" noMove="1" noResize="1" noEditPoints="1" noAdjustHandles="1" noChangeArrowheads="1" noChangeShapeType="1"/>
+          </p:cNvCxnSpPr>
           <p:nvPr>
             <p:extLst>
               <p:ext uri="{386F3935-93C4-4BCD-93E2-E3B085C9AB24}">
@@ -4326,11 +4026,94 @@
               </p:ext>
             </p:extLst>
           </p:nvPr>
-        </p:nvSpPr>
+        </p:nvCxnSpPr>
         <p:spPr>
           <a:xfrm>
+            <a:off x="5198775" y="1847088"/>
+            <a:ext cx="5548039" cy="0"/>
+          </a:xfrm>
+          <a:prstGeom prst="line">
+            <a:avLst/>
+          </a:prstGeom>
+          <a:ln w="31750"/>
+        </p:spPr>
+        <p:style>
+          <a:lnRef idx="3">
+            <a:schemeClr val="accent1"/>
+          </a:lnRef>
+          <a:fillRef idx="0">
+            <a:schemeClr val="accent1"/>
+          </a:fillRef>
+          <a:effectRef idx="2">
+            <a:schemeClr val="accent1"/>
+          </a:effectRef>
+          <a:fontRef idx="minor">
+            <a:schemeClr val="tx1"/>
+          </a:fontRef>
+        </p:style>
+      </p:cxnSp>
+      <p:sp>
+        <p:nvSpPr>
+          <p:cNvPr id="2" name="Cím 1">
+            <a:extLst>
+              <a:ext uri="{FF2B5EF4-FFF2-40B4-BE49-F238E27FC236}">
+                <a16:creationId xmlns:a16="http://schemas.microsoft.com/office/drawing/2014/main" id="{1ECB911A-619B-4CC1-9FA8-8F31FAEC35D1}"/>
+              </a:ext>
+            </a:extLst>
+          </p:cNvPr>
+          <p:cNvSpPr>
+            <a:spLocks noGrp="1"/>
+          </p:cNvSpPr>
+          <p:nvPr>
+            <p:ph type="title"/>
+          </p:nvPr>
+        </p:nvSpPr>
+        <p:spPr>
+          <a:xfrm>
+            <a:off x="5196457" y="804519"/>
+            <a:ext cx="5550357" cy="1049235"/>
+          </a:xfrm>
+        </p:spPr>
+        <p:txBody>
+          <a:bodyPr>
+            <a:normAutofit/>
+          </a:bodyPr>
+          <a:lstStyle/>
+          <a:p>
+            <a:r>
+              <a:rPr lang="hu-HU" dirty="0"/>
+              <a:t>Projekt leírása</a:t>
+            </a:r>
+          </a:p>
+        </p:txBody>
+      </p:sp>
+      <p:sp>
+        <p:nvSpPr>
+          <p:cNvPr id="77" name="Rectangle 76">
+            <a:extLst>
+              <a:ext uri="{FF2B5EF4-FFF2-40B4-BE49-F238E27FC236}">
+                <a16:creationId xmlns:a16="http://schemas.microsoft.com/office/drawing/2014/main" id="{7CAB7D27-148D-4082-B160-72FAD580D663}"/>
+              </a:ext>
+              <a:ext uri="{C183D7F6-B498-43B3-948B-1728B52AA6E4}">
+                <adec:decorative xmlns:adec="http://schemas.microsoft.com/office/drawing/2017/decorative" val="1"/>
+              </a:ext>
+            </a:extLst>
+          </p:cNvPr>
+          <p:cNvSpPr>
+            <a:spLocks noGrp="1" noRot="1" noChangeAspect="1" noMove="1" noResize="1" noEditPoints="1" noAdjustHandles="1" noChangeArrowheads="1" noChangeShapeType="1" noTextEdit="1"/>
+          </p:cNvSpPr>
+          <p:nvPr>
+            <p:extLst>
+              <p:ext uri="{386F3935-93C4-4BCD-93E2-E3B085C9AB24}">
+                <p16:designElem xmlns:p16="http://schemas.microsoft.com/office/powerpoint/2015/main" val="1"/>
+              </p:ext>
+            </p:extLst>
+          </p:nvPr>
+        </p:nvSpPr>
+        <p:spPr>
+          <a:xfrm>
             <a:off x="0" y="2019476"/>
-            <a:ext cx="12192000" cy="4838524"/>
+            <a:ext cx="12192000" cy="4105941"/>
           </a:xfrm>
           <a:prstGeom prst="rect">
             <a:avLst/>
@@ -4378,6 +4161,536 @@
           </a:p>
         </p:txBody>
       </p:sp>
+      <p:pic>
+        <p:nvPicPr>
+          <p:cNvPr id="2052" name="Picture 4" descr="Download - Thymeleaf">
+            <a:extLst>
+              <a:ext uri="{FF2B5EF4-FFF2-40B4-BE49-F238E27FC236}">
+                <a16:creationId xmlns:a16="http://schemas.microsoft.com/office/drawing/2014/main" id="{6D499125-C63E-4FF1-8138-2AFA48CC2408}"/>
+              </a:ext>
+            </a:extLst>
+          </p:cNvPr>
+          <p:cNvPicPr>
+            <a:picLocks noChangeAspect="1" noChangeArrowheads="1"/>
+          </p:cNvPicPr>
+          <p:nvPr/>
+        </p:nvPicPr>
+        <p:blipFill>
+          <a:blip r:embed="rId2">
+            <a:extLst>
+              <a:ext uri="{28A0092B-C50C-407E-A947-70E740481C1C}">
+                <a14:useLocalDpi xmlns:a14="http://schemas.microsoft.com/office/drawing/2010/main" val="0"/>
+              </a:ext>
+            </a:extLst>
+          </a:blip>
+          <a:stretch>
+            <a:fillRect/>
+          </a:stretch>
+        </p:blipFill>
+        <p:spPr bwMode="auto">
+          <a:xfrm>
+            <a:off x="632239" y="1314438"/>
+            <a:ext cx="4074836" cy="825154"/>
+          </a:xfrm>
+          <a:prstGeom prst="rect">
+            <a:avLst/>
+          </a:prstGeom>
+          <a:noFill/>
+          <a:extLst>
+            <a:ext uri="{909E8E84-426E-40DD-AFC4-6F175D3DCCD1}">
+              <a14:hiddenFill xmlns:a14="http://schemas.microsoft.com/office/drawing/2010/main">
+                <a:solidFill>
+                  <a:srgbClr val="FFFFFF"/>
+                </a:solidFill>
+              </a14:hiddenFill>
+            </a:ext>
+          </a:extLst>
+        </p:spPr>
+      </p:pic>
+      <p:pic>
+        <p:nvPicPr>
+          <p:cNvPr id="2050" name="Picture 2">
+            <a:extLst>
+              <a:ext uri="{FF2B5EF4-FFF2-40B4-BE49-F238E27FC236}">
+                <a16:creationId xmlns:a16="http://schemas.microsoft.com/office/drawing/2014/main" id="{A61D6277-53DE-4B9F-A469-D96201C39B2C}"/>
+              </a:ext>
+            </a:extLst>
+          </p:cNvPr>
+          <p:cNvPicPr>
+            <a:picLocks noChangeAspect="1" noChangeArrowheads="1"/>
+          </p:cNvPicPr>
+          <p:nvPr/>
+        </p:nvPicPr>
+        <p:blipFill>
+          <a:blip r:embed="rId3">
+            <a:extLst>
+              <a:ext uri="{28A0092B-C50C-407E-A947-70E740481C1C}">
+                <a14:useLocalDpi xmlns:a14="http://schemas.microsoft.com/office/drawing/2010/main" val="0"/>
+              </a:ext>
+            </a:extLst>
+          </a:blip>
+          <a:stretch>
+            <a:fillRect/>
+          </a:stretch>
+        </p:blipFill>
+        <p:spPr bwMode="auto">
+          <a:xfrm>
+            <a:off x="632239" y="3675952"/>
+            <a:ext cx="4074836" cy="1416005"/>
+          </a:xfrm>
+          <a:prstGeom prst="rect">
+            <a:avLst/>
+          </a:prstGeom>
+          <a:noFill/>
+          <a:extLst>
+            <a:ext uri="{909E8E84-426E-40DD-AFC4-6F175D3DCCD1}">
+              <a14:hiddenFill xmlns:a14="http://schemas.microsoft.com/office/drawing/2010/main">
+                <a:solidFill>
+                  <a:srgbClr val="FFFFFF"/>
+                </a:solidFill>
+              </a14:hiddenFill>
+            </a:ext>
+          </a:extLst>
+        </p:spPr>
+      </p:pic>
+      <p:sp>
+        <p:nvSpPr>
+          <p:cNvPr id="3" name="Tartalom helye 2">
+            <a:extLst>
+              <a:ext uri="{FF2B5EF4-FFF2-40B4-BE49-F238E27FC236}">
+                <a16:creationId xmlns:a16="http://schemas.microsoft.com/office/drawing/2014/main" id="{FBD0BD05-3171-4351-A3A7-5A4B4C8BB5EA}"/>
+              </a:ext>
+            </a:extLst>
+          </p:cNvPr>
+          <p:cNvSpPr>
+            <a:spLocks noGrp="1"/>
+          </p:cNvSpPr>
+          <p:nvPr>
+            <p:ph idx="1"/>
+          </p:nvPr>
+        </p:nvSpPr>
+        <p:spPr>
+          <a:xfrm>
+            <a:off x="5196457" y="2015732"/>
+            <a:ext cx="5550357" cy="3450613"/>
+          </a:xfrm>
+        </p:spPr>
+        <p:txBody>
+          <a:bodyPr>
+            <a:normAutofit fontScale="85000" lnSpcReduction="20000"/>
+          </a:bodyPr>
+          <a:lstStyle/>
+          <a:p>
+            <a:pPr>
+              <a:lnSpc>
+                <a:spcPct val="110000"/>
+              </a:lnSpc>
+            </a:pPr>
+            <a:r>
+              <a:rPr lang="hu-HU" sz="1600" dirty="0"/>
+              <a:t>Projektünkben egy ingatlan hirdető oldalt fogunk megvalósítani, amelyet egy 8 fős fejlesztő brigád fog kivitelezni. </a:t>
+            </a:r>
+          </a:p>
+          <a:p>
+            <a:pPr>
+              <a:lnSpc>
+                <a:spcPct val="110000"/>
+              </a:lnSpc>
+            </a:pPr>
+            <a:r>
+              <a:rPr lang="hu-HU" sz="1600" dirty="0"/>
+              <a:t>Programozási keretrendszer Spring Boot lesz a </a:t>
+            </a:r>
+            <a:r>
+              <a:rPr lang="hu-HU" sz="1600" dirty="0" err="1"/>
+              <a:t>FrontEnd</a:t>
+            </a:r>
+            <a:r>
+              <a:rPr lang="hu-HU" sz="1600" dirty="0"/>
+              <a:t> pedig </a:t>
+            </a:r>
+            <a:r>
+              <a:rPr lang="hu-HU" sz="1600" b="0" i="0" dirty="0" err="1">
+                <a:effectLst/>
+                <a:latin typeface="arial" panose="020B0604020202020204" pitchFamily="34" charset="0"/>
+              </a:rPr>
+              <a:t>Thymeleaf</a:t>
+            </a:r>
+            <a:r>
+              <a:rPr lang="hu-HU" sz="1600" b="0" i="0" dirty="0">
+                <a:effectLst/>
+                <a:latin typeface="arial" panose="020B0604020202020204" pitchFamily="34" charset="0"/>
+              </a:rPr>
+              <a:t>-ben lesz fejlesztve.</a:t>
+            </a:r>
+          </a:p>
+          <a:p>
+            <a:pPr>
+              <a:lnSpc>
+                <a:spcPct val="110000"/>
+              </a:lnSpc>
+            </a:pPr>
+            <a:r>
+              <a:rPr lang="hu-HU" sz="1600" dirty="0"/>
+              <a:t>Adatbázis  </a:t>
+            </a:r>
+            <a:r>
+              <a:rPr lang="hu-HU" sz="1600" dirty="0" err="1"/>
+              <a:t>Hibernate</a:t>
+            </a:r>
+            <a:r>
+              <a:rPr lang="hu-HU" sz="1600" dirty="0"/>
+              <a:t>-el lesz megoldva</a:t>
+            </a:r>
+          </a:p>
+          <a:p>
+            <a:pPr>
+              <a:lnSpc>
+                <a:spcPct val="110000"/>
+              </a:lnSpc>
+            </a:pPr>
+            <a:r>
+              <a:rPr lang="hu-HU" sz="1600" dirty="0"/>
+              <a:t>Rövid fejlesztési ciklusokat fogunk alkalmazni</a:t>
+            </a:r>
+          </a:p>
+          <a:p>
+            <a:pPr>
+              <a:lnSpc>
+                <a:spcPct val="110000"/>
+              </a:lnSpc>
+            </a:pPr>
+            <a:r>
+              <a:rPr lang="hu-HU" sz="1600" dirty="0"/>
+              <a:t>A weboldal minden hirdetési igényt kifog elégíteni, mint például jó felbontású képek feltöltésének a lehetősége, megfelelő szűrési lehetőségek beállítása, regisztrált felhasználók saját jogosultságokkal bírnak.</a:t>
+            </a:r>
+          </a:p>
+          <a:p>
+            <a:pPr>
+              <a:lnSpc>
+                <a:spcPct val="110000"/>
+              </a:lnSpc>
+            </a:pPr>
+            <a:r>
+              <a:rPr lang="hu-HU" sz="1600" dirty="0"/>
+              <a:t>A képeket felhőbe terveztük eltárolni, ezzel </a:t>
+            </a:r>
+            <a:r>
+              <a:rPr lang="hu-HU" sz="1600" dirty="0" err="1"/>
+              <a:t>tárhelyet</a:t>
+            </a:r>
+            <a:r>
+              <a:rPr lang="hu-HU" sz="1600" dirty="0"/>
+              <a:t> megspórolva</a:t>
+            </a:r>
+          </a:p>
+          <a:p>
+            <a:pPr>
+              <a:lnSpc>
+                <a:spcPct val="110000"/>
+              </a:lnSpc>
+            </a:pPr>
+            <a:r>
+              <a:rPr lang="hu-HU" sz="1600" dirty="0"/>
+              <a:t>A hirdetések megfelelően lesznek szűrve, minden hirdetés jóváhagyással kerül ki. (</a:t>
+            </a:r>
+            <a:r>
+              <a:rPr lang="hu-HU" sz="1600" dirty="0" err="1"/>
+              <a:t>admin</a:t>
+            </a:r>
+            <a:r>
+              <a:rPr lang="hu-HU" sz="1600" dirty="0"/>
+              <a:t> fog tudni szűrni és jóváhagyni)</a:t>
+            </a:r>
+          </a:p>
+        </p:txBody>
+      </p:sp>
+      <p:pic>
+        <p:nvPicPr>
+          <p:cNvPr id="79" name="Picture 78">
+            <a:extLst>
+              <a:ext uri="{FF2B5EF4-FFF2-40B4-BE49-F238E27FC236}">
+                <a16:creationId xmlns:a16="http://schemas.microsoft.com/office/drawing/2014/main" id="{CD88FC76-F691-462A-BCF9-0BA4F5DE6D71}"/>
+              </a:ext>
+              <a:ext uri="{C183D7F6-B498-43B3-948B-1728B52AA6E4}">
+                <adec:decorative xmlns:adec="http://schemas.microsoft.com/office/drawing/2017/decorative" val="1"/>
+              </a:ext>
+            </a:extLst>
+          </p:cNvPr>
+          <p:cNvPicPr>
+            <a:picLocks noGrp="1" noRot="1" noChangeAspect="1" noMove="1" noResize="1" noEditPoints="1" noAdjustHandles="1" noChangeArrowheads="1" noChangeShapeType="1" noCrop="1"/>
+          </p:cNvPicPr>
+          <p:nvPr>
+            <p:extLst>
+              <p:ext uri="{386F3935-93C4-4BCD-93E2-E3B085C9AB24}">
+                <p16:designElem xmlns:p16="http://schemas.microsoft.com/office/powerpoint/2015/main" val="1"/>
+              </p:ext>
+            </p:extLst>
+          </p:nvPr>
+        </p:nvPicPr>
+        <p:blipFill rotWithShape="1">
+          <a:blip r:embed="rId4">
+            <a:extLst>
+              <a:ext uri="{28A0092B-C50C-407E-A947-70E740481C1C}">
+                <a14:useLocalDpi xmlns:a14="http://schemas.microsoft.com/office/drawing/2010/main" val="0"/>
+              </a:ext>
+            </a:extLst>
+          </a:blip>
+          <a:srcRect t="1538" b="-1538"/>
+          <a:stretch/>
+        </p:blipFill>
+        <p:spPr bwMode="black">
+          <a:xfrm>
+            <a:off x="0" y="6126480"/>
+            <a:ext cx="12192000" cy="742950"/>
+          </a:xfrm>
+          <a:prstGeom prst="rect">
+            <a:avLst/>
+          </a:prstGeom>
+        </p:spPr>
+      </p:pic>
+      <p:cxnSp>
+        <p:nvCxnSpPr>
+          <p:cNvPr id="81" name="Straight Connector 80">
+            <a:extLst>
+              <a:ext uri="{FF2B5EF4-FFF2-40B4-BE49-F238E27FC236}">
+                <a16:creationId xmlns:a16="http://schemas.microsoft.com/office/drawing/2014/main" id="{33204A7E-B7E9-42D0-9DC4-B82FDC8C4BCC}"/>
+              </a:ext>
+              <a:ext uri="{C183D7F6-B498-43B3-948B-1728B52AA6E4}">
+                <adec:decorative xmlns:adec="http://schemas.microsoft.com/office/drawing/2017/decorative" val="1"/>
+              </a:ext>
+            </a:extLst>
+          </p:cNvPr>
+          <p:cNvCxnSpPr>
+            <a:cxnSpLocks noGrp="1" noRot="1" noChangeAspect="1" noMove="1" noResize="1" noEditPoints="1" noAdjustHandles="1" noChangeArrowheads="1" noChangeShapeType="1"/>
+          </p:cNvCxnSpPr>
+          <p:nvPr>
+            <p:extLst>
+              <p:ext uri="{386F3935-93C4-4BCD-93E2-E3B085C9AB24}">
+                <p16:designElem xmlns:p16="http://schemas.microsoft.com/office/powerpoint/2015/main" val="1"/>
+              </p:ext>
+            </p:extLst>
+          </p:nvPr>
+        </p:nvCxnSpPr>
+        <p:spPr>
+          <a:xfrm>
+            <a:off x="0" y="6128413"/>
+            <a:ext cx="12192000" cy="0"/>
+          </a:xfrm>
+          <a:prstGeom prst="line">
+            <a:avLst/>
+          </a:prstGeom>
+          <a:ln w="12700">
+            <a:solidFill>
+              <a:srgbClr val="000001">
+                <a:alpha val="20000"/>
+              </a:srgbClr>
+            </a:solidFill>
+          </a:ln>
+        </p:spPr>
+        <p:style>
+          <a:lnRef idx="1">
+            <a:schemeClr val="accent1"/>
+          </a:lnRef>
+          <a:fillRef idx="0">
+            <a:schemeClr val="accent1"/>
+          </a:fillRef>
+          <a:effectRef idx="0">
+            <a:schemeClr val="accent1"/>
+          </a:effectRef>
+          <a:fontRef idx="minor">
+            <a:schemeClr val="tx1"/>
+          </a:fontRef>
+        </p:style>
+      </p:cxnSp>
+    </p:spTree>
+    <p:extLst>
+      <p:ext uri="{BB962C8B-B14F-4D97-AF65-F5344CB8AC3E}">
+        <p14:creationId xmlns:p14="http://schemas.microsoft.com/office/powerpoint/2010/main" val="737994088"/>
+      </p:ext>
+    </p:extLst>
+  </p:cSld>
+  <p:clrMapOvr>
+    <a:masterClrMapping/>
+  </p:clrMapOvr>
+</p:sld>
+</file>
+
+<file path=ppt/slides/slide5.xml><?xml version="1.0" encoding="utf-8"?>
+<p:sld xmlns:a="http://schemas.openxmlformats.org/drawingml/2006/main" xmlns:r="http://schemas.openxmlformats.org/officeDocument/2006/relationships" xmlns:p="http://schemas.openxmlformats.org/presentationml/2006/main">
+  <p:cSld>
+    <p:bg>
+      <p:bgPr>
+        <a:gradFill rotWithShape="1">
+          <a:gsLst>
+            <a:gs pos="0">
+              <a:schemeClr val="bg2">
+                <a:tint val="94000"/>
+                <a:satMod val="80000"/>
+                <a:lumMod val="106000"/>
+              </a:schemeClr>
+            </a:gs>
+            <a:gs pos="100000">
+              <a:schemeClr val="bg2">
+                <a:shade val="80000"/>
+              </a:schemeClr>
+            </a:gs>
+          </a:gsLst>
+          <a:path path="circle">
+            <a:fillToRect l="43000" r="43000" b="100000"/>
+          </a:path>
+        </a:gradFill>
+        <a:effectLst/>
+      </p:bgPr>
+    </p:bg>
+    <p:spTree>
+      <p:nvGrpSpPr>
+        <p:cNvPr id="1" name=""/>
+        <p:cNvGrpSpPr/>
+        <p:nvPr/>
+      </p:nvGrpSpPr>
+      <p:grpSpPr>
+        <a:xfrm>
+          <a:off x="0" y="0"/>
+          <a:ext cx="0" cy="0"/>
+          <a:chOff x="0" y="0"/>
+          <a:chExt cx="0" cy="0"/>
+        </a:xfrm>
+      </p:grpSpPr>
+      <p:sp useBgFill="1">
+        <p:nvSpPr>
+          <p:cNvPr id="34" name="Rectangle 33">
+            <a:extLst>
+              <a:ext uri="{FF2B5EF4-FFF2-40B4-BE49-F238E27FC236}">
+                <a16:creationId xmlns:a16="http://schemas.microsoft.com/office/drawing/2014/main" id="{C630F413-44CE-4746-9821-9E0107978E7A}"/>
+              </a:ext>
+              <a:ext uri="{C183D7F6-B498-43B3-948B-1728B52AA6E4}">
+                <adec:decorative xmlns:adec="http://schemas.microsoft.com/office/drawing/2017/decorative" val="1"/>
+              </a:ext>
+            </a:extLst>
+          </p:cNvPr>
+          <p:cNvSpPr>
+            <a:spLocks noGrp="1" noRot="1" noChangeAspect="1" noMove="1" noResize="1" noEditPoints="1" noAdjustHandles="1" noChangeArrowheads="1" noChangeShapeType="1" noTextEdit="1"/>
+          </p:cNvSpPr>
+          <p:nvPr>
+            <p:extLst>
+              <p:ext uri="{386F3935-93C4-4BCD-93E2-E3B085C9AB24}">
+                <p16:designElem xmlns:p16="http://schemas.microsoft.com/office/powerpoint/2015/main" val="1"/>
+              </p:ext>
+            </p:extLst>
+          </p:nvPr>
+        </p:nvSpPr>
+        <p:spPr>
+          <a:xfrm>
+            <a:off x="2" y="0"/>
+            <a:ext cx="12191695" cy="6858000"/>
+          </a:xfrm>
+          <a:prstGeom prst="rect">
+            <a:avLst/>
+          </a:prstGeom>
+          <a:ln>
+            <a:noFill/>
+          </a:ln>
+        </p:spPr>
+        <p:style>
+          <a:lnRef idx="2">
+            <a:schemeClr val="accent1">
+              <a:shade val="50000"/>
+            </a:schemeClr>
+          </a:lnRef>
+          <a:fillRef idx="1">
+            <a:schemeClr val="accent1"/>
+          </a:fillRef>
+          <a:effectRef idx="0">
+            <a:schemeClr val="accent1"/>
+          </a:effectRef>
+          <a:fontRef idx="minor">
+            <a:schemeClr val="lt1"/>
+          </a:fontRef>
+        </p:style>
+        <p:txBody>
+          <a:bodyPr rtlCol="0" anchor="ctr"/>
+          <a:lstStyle/>
+          <a:p>
+            <a:pPr algn="ctr"/>
+            <a:endParaRPr lang="en-US"/>
+          </a:p>
+        </p:txBody>
+      </p:sp>
+      <p:sp>
+        <p:nvSpPr>
+          <p:cNvPr id="36" name="Rectangle 35">
+            <a:extLst>
+              <a:ext uri="{FF2B5EF4-FFF2-40B4-BE49-F238E27FC236}">
+                <a16:creationId xmlns:a16="http://schemas.microsoft.com/office/drawing/2014/main" id="{22D671B1-B099-4F9C-B9CC-9D22B4DAF8A8}"/>
+              </a:ext>
+              <a:ext uri="{C183D7F6-B498-43B3-948B-1728B52AA6E4}">
+                <adec:decorative xmlns:adec="http://schemas.microsoft.com/office/drawing/2017/decorative" val="1"/>
+              </a:ext>
+            </a:extLst>
+          </p:cNvPr>
+          <p:cNvSpPr>
+            <a:spLocks noGrp="1" noRot="1" noChangeAspect="1" noMove="1" noResize="1" noEditPoints="1" noAdjustHandles="1" noChangeArrowheads="1" noChangeShapeType="1" noTextEdit="1"/>
+          </p:cNvSpPr>
+          <p:nvPr>
+            <p:extLst>
+              <p:ext uri="{386F3935-93C4-4BCD-93E2-E3B085C9AB24}">
+                <p16:designElem xmlns:p16="http://schemas.microsoft.com/office/powerpoint/2015/main" val="1"/>
+              </p:ext>
+            </p:extLst>
+          </p:nvPr>
+        </p:nvSpPr>
+        <p:spPr>
+          <a:xfrm>
+            <a:off x="0" y="2019476"/>
+            <a:ext cx="12192000" cy="4838524"/>
+          </a:xfrm>
+          <a:prstGeom prst="rect">
+            <a:avLst/>
+          </a:prstGeom>
+          <a:gradFill flip="none" rotWithShape="1">
+            <a:gsLst>
+              <a:gs pos="0">
+                <a:schemeClr val="bg2">
+                  <a:alpha val="0"/>
+                </a:schemeClr>
+              </a:gs>
+              <a:gs pos="100000">
+                <a:schemeClr val="bg2"/>
+              </a:gs>
+            </a:gsLst>
+            <a:lin ang="5400000" scaled="0"/>
+            <a:tileRect/>
+          </a:gradFill>
+          <a:ln>
+            <a:noFill/>
+          </a:ln>
+        </p:spPr>
+        <p:style>
+          <a:lnRef idx="2">
+            <a:schemeClr val="accent1">
+              <a:shade val="50000"/>
+            </a:schemeClr>
+          </a:lnRef>
+          <a:fillRef idx="1">
+            <a:schemeClr val="accent1"/>
+          </a:fillRef>
+          <a:effectRef idx="0">
+            <a:schemeClr val="accent1"/>
+          </a:effectRef>
+          <a:fontRef idx="minor">
+            <a:schemeClr val="lt1"/>
+          </a:fontRef>
+        </p:style>
+        <p:txBody>
+          <a:bodyPr rtlCol="0" anchor="ctr"/>
+          <a:lstStyle/>
+          <a:p>
+            <a:pPr lvl="0" algn="ctr"/>
+            <a:endParaRPr lang="en-US"/>
+          </a:p>
+        </p:txBody>
+      </p:sp>
       <p:cxnSp>
         <p:nvCxnSpPr>
           <p:cNvPr id="38" name="Straight Connector 37">
@@ -4518,6 +4831,20 @@
             <a:r>
               <a:rPr lang="hu-HU" dirty="0"/>
               <a:t>Nagyjából így képzeltük el, de természetesen ez változhat.</a:t>
+            </a:r>
+          </a:p>
+          <a:p>
+            <a:r>
+              <a:rPr lang="hu-HU" dirty="0"/>
+              <a:t>A weboldal valószínűleg AWS-re lesz </a:t>
+            </a:r>
+            <a:r>
+              <a:rPr lang="hu-HU" dirty="0" err="1"/>
+              <a:t>kihostolva</a:t>
+            </a:r>
+            <a:r>
+              <a:rPr lang="hu-HU" dirty="0"/>
+              <a:t>.</a:t>
             </a:r>
           </a:p>
           <a:p>
@@ -4565,211 +4892,6 @@
     <p:extLst>
       <p:ext uri="{BB962C8B-B14F-4D97-AF65-F5344CB8AC3E}">
         <p14:creationId xmlns:p14="http://schemas.microsoft.com/office/powerpoint/2010/main" val="2063293668"/>
-      </p:ext>
-    </p:extLst>
-  </p:cSld>
-  <p:clrMapOvr>
-    <a:masterClrMapping/>
-  </p:clrMapOvr>
-</p:sld>
-</file>
-
-<file path=ppt/slides/slide4.xml><?xml version="1.0" encoding="utf-8"?>
-<p:sld xmlns:a="http://schemas.openxmlformats.org/drawingml/2006/main" xmlns:r="http://schemas.openxmlformats.org/officeDocument/2006/relationships" xmlns:p="http://schemas.openxmlformats.org/presentationml/2006/main">
-  <p:cSld>
-    <p:spTree>
-      <p:nvGrpSpPr>
-        <p:cNvPr id="1" name=""/>
-        <p:cNvGrpSpPr/>
-        <p:nvPr/>
-      </p:nvGrpSpPr>
-      <p:grpSpPr>
-        <a:xfrm>
-          <a:off x="0" y="0"/>
-          <a:ext cx="0" cy="0"/>
-          <a:chOff x="0" y="0"/>
-          <a:chExt cx="0" cy="0"/>
-        </a:xfrm>
-      </p:grpSpPr>
-      <p:sp>
-        <p:nvSpPr>
-          <p:cNvPr id="2" name="Cím 1">
-            <a:extLst>
-              <a:ext uri="{FF2B5EF4-FFF2-40B4-BE49-F238E27FC236}">
-                <a16:creationId xmlns:a16="http://schemas.microsoft.com/office/drawing/2014/main" id="{4730D0E2-D863-46AF-9AC1-1FF332129156}"/>
-              </a:ext>
-            </a:extLst>
-          </p:cNvPr>
-          <p:cNvSpPr>
-            <a:spLocks noGrp="1"/>
-          </p:cNvSpPr>
-          <p:nvPr>
-            <p:ph type="title"/>
-          </p:nvPr>
-        </p:nvSpPr>
-        <p:spPr/>
-        <p:txBody>
-          <a:bodyPr/>
-          <a:lstStyle/>
-          <a:p>
-            <a:r>
-              <a:rPr lang="hu-HU" dirty="0"/>
-              <a:t>Prototípus, elképzelés</a:t>
-            </a:r>
-          </a:p>
-        </p:txBody>
-      </p:sp>
-      <p:sp>
-        <p:nvSpPr>
-          <p:cNvPr id="3" name="Tartalom helye 2">
-            <a:extLst>
-              <a:ext uri="{FF2B5EF4-FFF2-40B4-BE49-F238E27FC236}">
-                <a16:creationId xmlns:a16="http://schemas.microsoft.com/office/drawing/2014/main" id="{88E9DD81-B406-40DA-B140-682D9DAEAC42}"/>
-              </a:ext>
-            </a:extLst>
-          </p:cNvPr>
-          <p:cNvSpPr>
-            <a:spLocks noGrp="1"/>
-          </p:cNvSpPr>
-          <p:nvPr>
-            <p:ph idx="1"/>
-          </p:nvPr>
-        </p:nvSpPr>
-        <p:spPr/>
-        <p:txBody>
-          <a:bodyPr/>
-          <a:lstStyle/>
-          <a:p>
-            <a:r>
-              <a:rPr lang="hu-HU" dirty="0"/>
-              <a:t>Elkezdtük megismerni a keretrendszert, erre létrehoztunk egy alap funkciókkal bíró kis szervert.</a:t>
-            </a:r>
-          </a:p>
-          <a:p>
-            <a:endParaRPr lang="hu-HU" dirty="0"/>
-          </a:p>
-          <a:p>
-            <a:r>
-              <a:rPr lang="hu-HU">
-                <a:hlinkClick r:id="rId2"/>
-              </a:rPr>
-              <a:t>Video</a:t>
-            </a:r>
-            <a:endParaRPr lang="hu-HU" dirty="0"/>
-          </a:p>
-        </p:txBody>
-      </p:sp>
-    </p:spTree>
-    <p:extLst>
-      <p:ext uri="{BB962C8B-B14F-4D97-AF65-F5344CB8AC3E}">
-        <p14:creationId xmlns:p14="http://schemas.microsoft.com/office/powerpoint/2010/main" val="1155922840"/>
-      </p:ext>
-    </p:extLst>
-  </p:cSld>
-  <p:clrMapOvr>
-    <a:masterClrMapping/>
-  </p:clrMapOvr>
-</p:sld>
-</file>
-
-<file path=ppt/slides/slide5.xml><?xml version="1.0" encoding="utf-8"?>
-<p:sld xmlns:a="http://schemas.openxmlformats.org/drawingml/2006/main" xmlns:r="http://schemas.openxmlformats.org/officeDocument/2006/relationships" xmlns:p="http://schemas.openxmlformats.org/presentationml/2006/main">
-  <p:cSld>
-    <p:spTree>
-      <p:nvGrpSpPr>
-        <p:cNvPr id="1" name=""/>
-        <p:cNvGrpSpPr/>
-        <p:nvPr/>
-      </p:nvGrpSpPr>
-      <p:grpSpPr>
-        <a:xfrm>
-          <a:off x="0" y="0"/>
-          <a:ext cx="0" cy="0"/>
-          <a:chOff x="0" y="0"/>
-          <a:chExt cx="0" cy="0"/>
-        </a:xfrm>
-      </p:grpSpPr>
-      <p:sp>
-        <p:nvSpPr>
-          <p:cNvPr id="2" name="Cím 1">
-            <a:extLst>
-              <a:ext uri="{FF2B5EF4-FFF2-40B4-BE49-F238E27FC236}">
-                <a16:creationId xmlns:a16="http://schemas.microsoft.com/office/drawing/2014/main" id="{AA7FA080-29A0-47C9-B02F-B1DCD34314A2}"/>
-              </a:ext>
-            </a:extLst>
-          </p:cNvPr>
-          <p:cNvSpPr>
-            <a:spLocks noGrp="1"/>
-          </p:cNvSpPr>
-          <p:nvPr>
-            <p:ph type="title"/>
-          </p:nvPr>
-        </p:nvSpPr>
-        <p:spPr/>
-        <p:txBody>
-          <a:bodyPr/>
-          <a:lstStyle/>
-          <a:p>
-            <a:r>
-              <a:rPr lang="hu-HU" dirty="0" err="1"/>
-              <a:t>ProjektMenedzser</a:t>
-            </a:r>
-            <a:endParaRPr lang="hu-HU" dirty="0"/>
-          </a:p>
-        </p:txBody>
-      </p:sp>
-      <p:sp>
-        <p:nvSpPr>
-          <p:cNvPr id="3" name="Tartalom helye 2">
-            <a:extLst>
-              <a:ext uri="{FF2B5EF4-FFF2-40B4-BE49-F238E27FC236}">
-                <a16:creationId xmlns:a16="http://schemas.microsoft.com/office/drawing/2014/main" id="{5616B936-33E0-4138-8784-61C1BC43DF86}"/>
-              </a:ext>
-            </a:extLst>
-          </p:cNvPr>
-          <p:cNvSpPr>
-            <a:spLocks noGrp="1"/>
-          </p:cNvSpPr>
-          <p:nvPr>
-            <p:ph idx="1"/>
-          </p:nvPr>
-        </p:nvSpPr>
-        <p:spPr/>
-        <p:txBody>
-          <a:bodyPr/>
-          <a:lstStyle/>
-          <a:p>
-            <a:r>
-              <a:rPr lang="hu-HU" dirty="0"/>
-              <a:t>A projekt projektmenedzsere és backend fejlesztőnk Veres-Lakos Zsombor.</a:t>
-            </a:r>
-          </a:p>
-          <a:p>
-            <a:r>
-              <a:rPr lang="hu-HU" dirty="0"/>
-              <a:t>Zsombor korábban már egy évet dolgozott </a:t>
-            </a:r>
-            <a:r>
-              <a:rPr lang="hu-HU" dirty="0" err="1"/>
-              <a:t>Aensys</a:t>
-            </a:r>
-            <a:r>
-              <a:rPr lang="hu-HU" dirty="0"/>
-              <a:t> KFT-nél. </a:t>
-            </a:r>
-          </a:p>
-          <a:p>
-            <a:r>
-              <a:rPr lang="hu-HU" dirty="0"/>
-              <a:t>Volt már része JAVA projektekben, hobbija is ehhez köthető.</a:t>
-            </a:r>
-          </a:p>
-        </p:txBody>
-      </p:sp>
-    </p:spTree>
-    <p:extLst>
-      <p:ext uri="{BB962C8B-B14F-4D97-AF65-F5344CB8AC3E}">
-        <p14:creationId xmlns:p14="http://schemas.microsoft.com/office/powerpoint/2010/main" val="2045123648"/>
       </p:ext>
     </p:extLst>
   </p:cSld>
@@ -4801,7 +4923,7 @@
           <p:cNvPr id="2" name="Cím 1">
             <a:extLst>
               <a:ext uri="{FF2B5EF4-FFF2-40B4-BE49-F238E27FC236}">
-                <a16:creationId xmlns:a16="http://schemas.microsoft.com/office/drawing/2014/main" id="{EAAB799F-D33E-4C2F-B3FC-749E15F0DFE2}"/>
+                <a16:creationId xmlns:a16="http://schemas.microsoft.com/office/drawing/2014/main" id="{4730D0E2-D863-46AF-9AC1-1FF332129156}"/>
               </a:ext>
             </a:extLst>
           </p:cNvPr>
@@ -4819,7 +4941,7 @@
           <a:p>
             <a:r>
               <a:rPr lang="hu-HU" dirty="0"/>
-              <a:t>További fejlesztők</a:t>
+              <a:t>Prototípus, elképzelés</a:t>
             </a:r>
           </a:p>
         </p:txBody>
@@ -4829,7 +4951,7 @@
           <p:cNvPr id="3" name="Tartalom helye 2">
             <a:extLst>
               <a:ext uri="{FF2B5EF4-FFF2-40B4-BE49-F238E27FC236}">
-                <a16:creationId xmlns:a16="http://schemas.microsoft.com/office/drawing/2014/main" id="{04789CB8-28BB-43E4-B667-1ACA75553B8C}"/>
+                <a16:creationId xmlns:a16="http://schemas.microsoft.com/office/drawing/2014/main" id="{88E9DD81-B406-40DA-B140-682D9DAEAC42}"/>
               </a:ext>
             </a:extLst>
           </p:cNvPr>
@@ -4847,85 +4969,43 @@
           <a:p>
             <a:r>
               <a:rPr lang="hu-HU" dirty="0"/>
-              <a:t>Megjelenésért legfőképp felelősek:  </a:t>
-            </a:r>
-            <a:r>
-              <a:rPr lang="hu-HU" dirty="0" err="1"/>
-              <a:t>Hamad</a:t>
-            </a:r>
-            <a:r>
+              <a:t>Projekt kezdete: 2020.09.24</a:t>
+            </a:r>
+            <a:br>
               <a:rPr lang="hu-HU" dirty="0"/>
-              <a:t> </a:t>
-            </a:r>
-            <a:r>
-              <a:rPr lang="hu-HU" dirty="0" err="1"/>
-              <a:t>Aszim</a:t>
-            </a:r>
+            </a:br>
             <a:r>
               <a:rPr lang="hu-HU" dirty="0"/>
-              <a:t> és Farkas Valentin</a:t>
-            </a:r>
-          </a:p>
-          <a:p>
-            <a:r>
-              <a:rPr lang="hu-HU" dirty="0"/>
-              <a:t>Backendért felelős: </a:t>
-            </a:r>
-            <a:r>
-              <a:rPr lang="hu-HU" dirty="0" err="1"/>
-              <a:t>Böröc</a:t>
-            </a:r>
-            <a:r>
-              <a:rPr lang="hu-HU" dirty="0"/>
-              <a:t> Tamás, Veres-Lakos Zsombor és Mészáros Zsolt.</a:t>
-            </a:r>
-          </a:p>
-          <a:p>
-            <a:r>
-              <a:rPr lang="hu-HU" dirty="0"/>
-              <a:t>Szoftver tesztelésért </a:t>
-            </a:r>
-            <a:r>
-              <a:rPr lang="hu-HU" dirty="0" err="1"/>
-              <a:t>Szvoreny</a:t>
-            </a:r>
-            <a:r>
-              <a:rPr lang="hu-HU" dirty="0"/>
-              <a:t> Viktor felelős.</a:t>
-            </a:r>
-          </a:p>
-          <a:p>
-            <a:r>
-              <a:rPr lang="hu-HU" dirty="0"/>
-              <a:t>Dokumentációkért és prezentációkért Mészáros Zsolt felel.</a:t>
-            </a:r>
-          </a:p>
-          <a:p>
-            <a:r>
-              <a:rPr lang="hu-HU" dirty="0"/>
-              <a:t>Adatbázist és adatkapcsolatokat Kovács Tamás fogja megvalósítani.</a:t>
-            </a:r>
-          </a:p>
-          <a:p>
-            <a:r>
-              <a:rPr lang="hu-HU" dirty="0"/>
-              <a:t>A további szükséges feladatokat </a:t>
-            </a:r>
-            <a:r>
-              <a:rPr lang="hu-HU" dirty="0" err="1"/>
-              <a:t>Pejnovac</a:t>
-            </a:r>
-            <a:r>
-              <a:rPr lang="hu-HU" dirty="0"/>
-              <a:t> Máté végzi.</a:t>
-            </a:r>
+              <a:t>Elkezdtük megismerni a keretrendszert, erre létrehoztunk egy alap funkciókkal bíró kis szervert.</a:t>
+            </a:r>
+          </a:p>
+          <a:p>
+            <a:r>
+              <a:rPr lang="hu-HU" dirty="0" err="1">
+                <a:hlinkClick r:id="rId2"/>
+              </a:rPr>
+              <a:t>Admin</a:t>
+            </a:r>
+            <a:r>
+              <a:rPr lang="hu-HU" dirty="0">
+                <a:hlinkClick r:id="rId2"/>
+              </a:rPr>
+              <a:t> felület elképzelés </a:t>
+            </a:r>
+            <a:r>
+              <a:rPr lang="hu-HU" dirty="0">
+                <a:hlinkClick r:id="rId2"/>
+              </a:rPr>
+              <a:t>Video</a:t>
+            </a:r>
+            <a:endParaRPr lang="hu-HU" dirty="0"/>
           </a:p>
         </p:txBody>
       </p:sp>
     </p:spTree>
     <p:extLst>
       <p:ext uri="{BB962C8B-B14F-4D97-AF65-F5344CB8AC3E}">
-        <p14:creationId xmlns:p14="http://schemas.microsoft.com/office/powerpoint/2010/main" val="3223636402"/>
+        <p14:creationId xmlns:p14="http://schemas.microsoft.com/office/powerpoint/2010/main" val="1155922840"/>
       </p:ext>
     </p:extLst>
   </p:cSld>
